--- a/网站元素.pptx
+++ b/网站元素.pptx
@@ -5,13 +5,14 @@
     <p:sldMasterId id="2147483648" r:id="rId1"/>
   </p:sldMasterIdLst>
   <p:sldIdLst>
-    <p:sldId id="256" r:id="rId2"/>
+    <p:sldId id="265" r:id="rId2"/>
     <p:sldId id="258" r:id="rId3"/>
     <p:sldId id="259" r:id="rId4"/>
     <p:sldId id="261" r:id="rId5"/>
     <p:sldId id="260" r:id="rId6"/>
     <p:sldId id="262" r:id="rId7"/>
     <p:sldId id="263" r:id="rId8"/>
+    <p:sldId id="264" r:id="rId9"/>
   </p:sldIdLst>
   <p:sldSz cx="12192000" cy="6858000"/>
   <p:notesSz cx="6858000" cy="9144000"/>
@@ -121,7 +122,7 @@
 <file path=ppt/revisionInfo.xml><?xml version="1.0" encoding="utf-8"?>
 <p1510:revInfo xmlns:a="http://schemas.openxmlformats.org/drawingml/2006/main" xmlns:r="http://schemas.openxmlformats.org/officeDocument/2006/relationships" xmlns:p1510="http://schemas.microsoft.com/office/powerpoint/2015/10/main">
   <p1510:revLst>
-    <p1510:client id="{5496ADAD-5C8C-42F3-851B-A1005511A63B}" v="3" dt="2021-02-13T14:51:38.772"/>
+    <p1510:client id="{3C63D6E2-A2DC-4692-B725-C6CF87498645}" v="7" dt="2021-10-07T03:53:43.891"/>
   </p1510:revLst>
 </p1510:revInfo>
 </file>
@@ -327,6 +328,164 @@
     </pc:docChg>
   </pc:docChgLst>
   <pc:docChgLst>
+    <pc:chgData name="Li Elio" userId="c4294b10df583f6a" providerId="LiveId" clId="{2430BBC8-96BA-4E02-9F96-7B77EAAF2C58}"/>
+    <pc:docChg chg="custSel addSld delSld modSld">
+      <pc:chgData name="Li Elio" userId="c4294b10df583f6a" providerId="LiveId" clId="{2430BBC8-96BA-4E02-9F96-7B77EAAF2C58}" dt="2021-09-28T02:44:56.622" v="64" actId="1076"/>
+      <pc:docMkLst>
+        <pc:docMk/>
+      </pc:docMkLst>
+      <pc:sldChg chg="del">
+        <pc:chgData name="Li Elio" userId="c4294b10df583f6a" providerId="LiveId" clId="{2430BBC8-96BA-4E02-9F96-7B77EAAF2C58}" dt="2021-09-28T02:35:35.193" v="0" actId="47"/>
+        <pc:sldMkLst>
+          <pc:docMk/>
+          <pc:sldMk cId="194611191" sldId="256"/>
+        </pc:sldMkLst>
+      </pc:sldChg>
+      <pc:sldChg chg="addSp delSp modSp add mod">
+        <pc:chgData name="Li Elio" userId="c4294b10df583f6a" providerId="LiveId" clId="{2430BBC8-96BA-4E02-9F96-7B77EAAF2C58}" dt="2021-09-28T02:44:56.622" v="64" actId="1076"/>
+        <pc:sldMkLst>
+          <pc:docMk/>
+          <pc:sldMk cId="1048392394" sldId="264"/>
+        </pc:sldMkLst>
+        <pc:spChg chg="add mod">
+          <ac:chgData name="Li Elio" userId="c4294b10df583f6a" providerId="LiveId" clId="{2430BBC8-96BA-4E02-9F96-7B77EAAF2C58}" dt="2021-09-28T02:39:33.524" v="38" actId="1076"/>
+          <ac:spMkLst>
+            <pc:docMk/>
+            <pc:sldMk cId="1048392394" sldId="264"/>
+            <ac:spMk id="2" creationId="{13369830-E22D-4CAC-9331-8A28CFEA0A56}"/>
+          </ac:spMkLst>
+        </pc:spChg>
+        <pc:spChg chg="add mod">
+          <ac:chgData name="Li Elio" userId="c4294b10df583f6a" providerId="LiveId" clId="{2430BBC8-96BA-4E02-9F96-7B77EAAF2C58}" dt="2021-09-28T02:44:40.128" v="62" actId="1076"/>
+          <ac:spMkLst>
+            <pc:docMk/>
+            <pc:sldMk cId="1048392394" sldId="264"/>
+            <ac:spMk id="5" creationId="{C60A87C4-9E65-417C-A955-7CD2B47D75E9}"/>
+          </ac:spMkLst>
+        </pc:spChg>
+        <pc:spChg chg="add mod">
+          <ac:chgData name="Li Elio" userId="c4294b10df583f6a" providerId="LiveId" clId="{2430BBC8-96BA-4E02-9F96-7B77EAAF2C58}" dt="2021-09-28T02:39:21.533" v="37" actId="1076"/>
+          <ac:spMkLst>
+            <pc:docMk/>
+            <pc:sldMk cId="1048392394" sldId="264"/>
+            <ac:spMk id="6" creationId="{C913192B-BF6A-46FB-BDA6-7C932A776FCD}"/>
+          </ac:spMkLst>
+        </pc:spChg>
+        <pc:spChg chg="add mod">
+          <ac:chgData name="Li Elio" userId="c4294b10df583f6a" providerId="LiveId" clId="{2430BBC8-96BA-4E02-9F96-7B77EAAF2C58}" dt="2021-09-28T02:44:30.132" v="61" actId="164"/>
+          <ac:spMkLst>
+            <pc:docMk/>
+            <pc:sldMk cId="1048392394" sldId="264"/>
+            <ac:spMk id="9" creationId="{81BA4E7A-5243-47E2-BA78-8C748DBDE60C}"/>
+          </ac:spMkLst>
+        </pc:spChg>
+        <pc:grpChg chg="add mod">
+          <ac:chgData name="Li Elio" userId="c4294b10df583f6a" providerId="LiveId" clId="{2430BBC8-96BA-4E02-9F96-7B77EAAF2C58}" dt="2021-09-28T02:44:56.622" v="64" actId="1076"/>
+          <ac:grpSpMkLst>
+            <pc:docMk/>
+            <pc:sldMk cId="1048392394" sldId="264"/>
+            <ac:grpSpMk id="8" creationId="{05165B6A-4D0F-47E7-B07A-C60ABDBB8A37}"/>
+          </ac:grpSpMkLst>
+        </pc:grpChg>
+        <pc:picChg chg="del mod">
+          <ac:chgData name="Li Elio" userId="c4294b10df583f6a" providerId="LiveId" clId="{2430BBC8-96BA-4E02-9F96-7B77EAAF2C58}" dt="2021-09-28T02:35:48.392" v="3" actId="478"/>
+          <ac:picMkLst>
+            <pc:docMk/>
+            <pc:sldMk cId="1048392394" sldId="264"/>
+            <ac:picMk id="3" creationId="{9B72CD12-7AC8-4BA6-989E-E0B85F03A917}"/>
+          </ac:picMkLst>
+        </pc:picChg>
+      </pc:sldChg>
+    </pc:docChg>
+  </pc:docChgLst>
+  <pc:docChgLst>
+    <pc:chgData name="Li Elio" userId="c4294b10df583f6a" providerId="LiveId" clId="{3C63D6E2-A2DC-4692-B725-C6CF87498645}"/>
+    <pc:docChg chg="custSel addSld modSld">
+      <pc:chgData name="Li Elio" userId="c4294b10df583f6a" providerId="LiveId" clId="{3C63D6E2-A2DC-4692-B725-C6CF87498645}" dt="2021-10-07T03:54:23.383" v="57" actId="20577"/>
+      <pc:docMkLst>
+        <pc:docMk/>
+      </pc:docMkLst>
+      <pc:sldChg chg="addSp delSp modSp mod">
+        <pc:chgData name="Li Elio" userId="c4294b10df583f6a" providerId="LiveId" clId="{3C63D6E2-A2DC-4692-B725-C6CF87498645}" dt="2021-10-07T03:54:23.383" v="57" actId="20577"/>
+        <pc:sldMkLst>
+          <pc:docMk/>
+          <pc:sldMk cId="3742901206" sldId="258"/>
+        </pc:sldMkLst>
+        <pc:spChg chg="add mod">
+          <ac:chgData name="Li Elio" userId="c4294b10df583f6a" providerId="LiveId" clId="{3C63D6E2-A2DC-4692-B725-C6CF87498645}" dt="2021-10-07T03:54:23.383" v="57" actId="20577"/>
+          <ac:spMkLst>
+            <pc:docMk/>
+            <pc:sldMk cId="3742901206" sldId="258"/>
+            <ac:spMk id="2" creationId="{65915AF1-6C4F-401D-A3AF-9C846327FFC3}"/>
+          </ac:spMkLst>
+        </pc:spChg>
+        <pc:picChg chg="mod">
+          <ac:chgData name="Li Elio" userId="c4294b10df583f6a" providerId="LiveId" clId="{3C63D6E2-A2DC-4692-B725-C6CF87498645}" dt="2021-10-07T03:53:48.960" v="30" actId="1076"/>
+          <ac:picMkLst>
+            <pc:docMk/>
+            <pc:sldMk cId="3742901206" sldId="258"/>
+            <ac:picMk id="3" creationId="{6E0638F8-42D3-4439-8537-8543D717B5BD}"/>
+          </ac:picMkLst>
+        </pc:picChg>
+        <pc:picChg chg="del">
+          <ac:chgData name="Li Elio" userId="c4294b10df583f6a" providerId="LiveId" clId="{3C63D6E2-A2DC-4692-B725-C6CF87498645}" dt="2021-10-07T03:53:23.282" v="21" actId="478"/>
+          <ac:picMkLst>
+            <pc:docMk/>
+            <pc:sldMk cId="3742901206" sldId="258"/>
+            <ac:picMk id="18" creationId="{288A0F72-A19A-4179-B6E5-F51DC2E82918}"/>
+          </ac:picMkLst>
+        </pc:picChg>
+        <pc:picChg chg="add mod">
+          <ac:chgData name="Li Elio" userId="c4294b10df583f6a" providerId="LiveId" clId="{3C63D6E2-A2DC-4692-B725-C6CF87498645}" dt="2021-10-07T03:53:43.889" v="29" actId="1076"/>
+          <ac:picMkLst>
+            <pc:docMk/>
+            <pc:sldMk cId="3742901206" sldId="258"/>
+            <ac:picMk id="1026" creationId="{EB7E6482-F7B4-4625-A78B-723450AC78E6}"/>
+          </ac:picMkLst>
+        </pc:picChg>
+      </pc:sldChg>
+      <pc:sldChg chg="addSp delSp modSp add mod">
+        <pc:chgData name="Li Elio" userId="c4294b10df583f6a" providerId="LiveId" clId="{3C63D6E2-A2DC-4692-B725-C6CF87498645}" dt="2021-10-07T03:17:05.899" v="17" actId="732"/>
+        <pc:sldMkLst>
+          <pc:docMk/>
+          <pc:sldMk cId="1605603158" sldId="265"/>
+        </pc:sldMkLst>
+        <pc:spChg chg="add del mod">
+          <ac:chgData name="Li Elio" userId="c4294b10df583f6a" providerId="LiveId" clId="{3C63D6E2-A2DC-4692-B725-C6CF87498645}" dt="2021-10-07T03:16:40.721" v="12" actId="478"/>
+          <ac:spMkLst>
+            <pc:docMk/>
+            <pc:sldMk cId="1605603158" sldId="265"/>
+            <ac:spMk id="2" creationId="{FD8A0ACF-CAF1-44D6-95E0-AA8745A6EA1A}"/>
+          </ac:spMkLst>
+        </pc:spChg>
+        <pc:spChg chg="del">
+          <ac:chgData name="Li Elio" userId="c4294b10df583f6a" providerId="LiveId" clId="{3C63D6E2-A2DC-4692-B725-C6CF87498645}" dt="2021-10-07T02:53:22.655" v="1" actId="478"/>
+          <ac:spMkLst>
+            <pc:docMk/>
+            <pc:sldMk cId="1605603158" sldId="265"/>
+            <ac:spMk id="23" creationId="{A743D1AA-6A07-4175-B085-AEB6B8847FDA}"/>
+          </ac:spMkLst>
+        </pc:spChg>
+        <pc:picChg chg="mod modCrop">
+          <ac:chgData name="Li Elio" userId="c4294b10df583f6a" providerId="LiveId" clId="{3C63D6E2-A2DC-4692-B725-C6CF87498645}" dt="2021-10-07T03:17:05.899" v="17" actId="732"/>
+          <ac:picMkLst>
+            <pc:docMk/>
+            <pc:sldMk cId="1605603158" sldId="265"/>
+            <ac:picMk id="3" creationId="{6E0638F8-42D3-4439-8537-8543D717B5BD}"/>
+          </ac:picMkLst>
+        </pc:picChg>
+        <pc:picChg chg="del">
+          <ac:chgData name="Li Elio" userId="c4294b10df583f6a" providerId="LiveId" clId="{3C63D6E2-A2DC-4692-B725-C6CF87498645}" dt="2021-10-07T02:53:25.890" v="2" actId="478"/>
+          <ac:picMkLst>
+            <pc:docMk/>
+            <pc:sldMk cId="1605603158" sldId="265"/>
+            <ac:picMk id="18" creationId="{288A0F72-A19A-4179-B6E5-F51DC2E82918}"/>
+          </ac:picMkLst>
+        </pc:picChg>
+      </pc:sldChg>
+    </pc:docChg>
+  </pc:docChgLst>
+  <pc:docChgLst>
     <pc:chgData name="Li Elio" userId="c4294b10df583f6a" providerId="LiveId" clId="{5496ADAD-5C8C-42F3-851B-A1005511A63B}"/>
     <pc:docChg chg="custSel addSld modSld">
       <pc:chgData name="Li Elio" userId="c4294b10df583f6a" providerId="LiveId" clId="{5496ADAD-5C8C-42F3-851B-A1005511A63B}" dt="2021-02-13T14:52:12.178" v="39" actId="1076"/>
@@ -516,7 +675,7 @@
           <a:p>
             <a:fld id="{87890E99-8700-4361-BF4F-E562C7FC1647}" type="datetimeFigureOut">
               <a:rPr lang="zh-CN" altLang="en-US" smtClean="0"/>
-              <a:t>2021/2/13</a:t>
+              <a:t>2021/10/7</a:t>
             </a:fld>
             <a:endParaRPr lang="zh-CN" altLang="en-US"/>
           </a:p>
@@ -714,7 +873,7 @@
           <a:p>
             <a:fld id="{87890E99-8700-4361-BF4F-E562C7FC1647}" type="datetimeFigureOut">
               <a:rPr lang="zh-CN" altLang="en-US" smtClean="0"/>
-              <a:t>2021/2/13</a:t>
+              <a:t>2021/10/7</a:t>
             </a:fld>
             <a:endParaRPr lang="zh-CN" altLang="en-US"/>
           </a:p>
@@ -922,7 +1081,7 @@
           <a:p>
             <a:fld id="{87890E99-8700-4361-BF4F-E562C7FC1647}" type="datetimeFigureOut">
               <a:rPr lang="zh-CN" altLang="en-US" smtClean="0"/>
-              <a:t>2021/2/13</a:t>
+              <a:t>2021/10/7</a:t>
             </a:fld>
             <a:endParaRPr lang="zh-CN" altLang="en-US"/>
           </a:p>
@@ -1120,7 +1279,7 @@
           <a:p>
             <a:fld id="{87890E99-8700-4361-BF4F-E562C7FC1647}" type="datetimeFigureOut">
               <a:rPr lang="zh-CN" altLang="en-US" smtClean="0"/>
-              <a:t>2021/2/13</a:t>
+              <a:t>2021/10/7</a:t>
             </a:fld>
             <a:endParaRPr lang="zh-CN" altLang="en-US"/>
           </a:p>
@@ -1395,7 +1554,7 @@
           <a:p>
             <a:fld id="{87890E99-8700-4361-BF4F-E562C7FC1647}" type="datetimeFigureOut">
               <a:rPr lang="zh-CN" altLang="en-US" smtClean="0"/>
-              <a:t>2021/2/13</a:t>
+              <a:t>2021/10/7</a:t>
             </a:fld>
             <a:endParaRPr lang="zh-CN" altLang="en-US"/>
           </a:p>
@@ -1660,7 +1819,7 @@
           <a:p>
             <a:fld id="{87890E99-8700-4361-BF4F-E562C7FC1647}" type="datetimeFigureOut">
               <a:rPr lang="zh-CN" altLang="en-US" smtClean="0"/>
-              <a:t>2021/2/13</a:t>
+              <a:t>2021/10/7</a:t>
             </a:fld>
             <a:endParaRPr lang="zh-CN" altLang="en-US"/>
           </a:p>
@@ -2072,7 +2231,7 @@
           <a:p>
             <a:fld id="{87890E99-8700-4361-BF4F-E562C7FC1647}" type="datetimeFigureOut">
               <a:rPr lang="zh-CN" altLang="en-US" smtClean="0"/>
-              <a:t>2021/2/13</a:t>
+              <a:t>2021/10/7</a:t>
             </a:fld>
             <a:endParaRPr lang="zh-CN" altLang="en-US"/>
           </a:p>
@@ -2213,7 +2372,7 @@
           <a:p>
             <a:fld id="{87890E99-8700-4361-BF4F-E562C7FC1647}" type="datetimeFigureOut">
               <a:rPr lang="zh-CN" altLang="en-US" smtClean="0"/>
-              <a:t>2021/2/13</a:t>
+              <a:t>2021/10/7</a:t>
             </a:fld>
             <a:endParaRPr lang="zh-CN" altLang="en-US"/>
           </a:p>
@@ -2326,7 +2485,7 @@
           <a:p>
             <a:fld id="{87890E99-8700-4361-BF4F-E562C7FC1647}" type="datetimeFigureOut">
               <a:rPr lang="zh-CN" altLang="en-US" smtClean="0"/>
-              <a:t>2021/2/13</a:t>
+              <a:t>2021/10/7</a:t>
             </a:fld>
             <a:endParaRPr lang="zh-CN" altLang="en-US"/>
           </a:p>
@@ -2637,7 +2796,7 @@
           <a:p>
             <a:fld id="{87890E99-8700-4361-BF4F-E562C7FC1647}" type="datetimeFigureOut">
               <a:rPr lang="zh-CN" altLang="en-US" smtClean="0"/>
-              <a:t>2021/2/13</a:t>
+              <a:t>2021/10/7</a:t>
             </a:fld>
             <a:endParaRPr lang="zh-CN" altLang="en-US"/>
           </a:p>
@@ -2925,7 +3084,7 @@
           <a:p>
             <a:fld id="{87890E99-8700-4361-BF4F-E562C7FC1647}" type="datetimeFigureOut">
               <a:rPr lang="zh-CN" altLang="en-US" smtClean="0"/>
-              <a:t>2021/2/13</a:t>
+              <a:t>2021/10/7</a:t>
             </a:fld>
             <a:endParaRPr lang="zh-CN" altLang="en-US"/>
           </a:p>
@@ -3166,7 +3325,7 @@
           <a:p>
             <a:fld id="{87890E99-8700-4361-BF4F-E562C7FC1647}" type="datetimeFigureOut">
               <a:rPr lang="zh-CN" altLang="en-US" smtClean="0"/>
-              <a:t>2021/2/13</a:t>
+              <a:t>2021/10/7</a:t>
             </a:fld>
             <a:endParaRPr lang="zh-CN" altLang="en-US"/>
           </a:p>
@@ -3569,14 +3728,6 @@
 <file path=ppt/slides/slide1.xml><?xml version="1.0" encoding="utf-8"?>
 <p:sld xmlns:a="http://schemas.openxmlformats.org/drawingml/2006/main" xmlns:r="http://schemas.openxmlformats.org/officeDocument/2006/relationships" xmlns:p="http://schemas.openxmlformats.org/presentationml/2006/main">
   <p:cSld>
-    <p:bg>
-      <p:bgPr>
-        <a:solidFill>
-          <a:srgbClr val="F9F9F9"/>
-        </a:solidFill>
-        <a:effectLst/>
-      </p:bgPr>
-    </p:bg>
     <p:spTree>
       <p:nvGrpSpPr>
         <p:cNvPr id="1" name=""/>
@@ -3591,125 +3742,39 @@
           <a:chExt cx="0" cy="0"/>
         </a:xfrm>
       </p:grpSpPr>
-      <p:grpSp>
-        <p:nvGrpSpPr>
-          <p:cNvPr id="5" name="组合 4">
-            <a:extLst>
-              <a:ext uri="{FF2B5EF4-FFF2-40B4-BE49-F238E27FC236}">
-                <a16:creationId xmlns:a16="http://schemas.microsoft.com/office/drawing/2014/main" id="{25EDD9BD-3EC9-4D1A-9805-01218483D196}"/>
-              </a:ext>
-            </a:extLst>
-          </p:cNvPr>
-          <p:cNvGrpSpPr/>
+      <p:pic>
+        <p:nvPicPr>
+          <p:cNvPr id="3" name="图片 2">
+            <a:extLst>
+              <a:ext uri="{FF2B5EF4-FFF2-40B4-BE49-F238E27FC236}">
+                <a16:creationId xmlns:a16="http://schemas.microsoft.com/office/drawing/2014/main" id="{6E0638F8-42D3-4439-8537-8543D717B5BD}"/>
+              </a:ext>
+            </a:extLst>
+          </p:cNvPr>
+          <p:cNvPicPr>
+            <a:picLocks noChangeAspect="1"/>
+          </p:cNvPicPr>
           <p:nvPr/>
-        </p:nvGrpSpPr>
-        <p:grpSpPr>
-          <a:xfrm rot="20994854">
-            <a:off x="-721582" y="-250868"/>
-            <a:ext cx="2863356" cy="1722705"/>
-            <a:chOff x="-2003958" y="-762001"/>
-            <a:chExt cx="4761442" cy="2864667"/>
+        </p:nvPicPr>
+        <p:blipFill rotWithShape="1">
+          <a:blip r:embed="rId2"/>
+          <a:srcRect l="4825" t="2808" r="3055" b="13989"/>
+          <a:stretch/>
+        </p:blipFill>
+        <p:spPr>
+          <a:xfrm>
+            <a:off x="4097613" y="1546917"/>
+            <a:ext cx="2963206" cy="2928830"/>
           </a:xfrm>
-        </p:grpSpPr>
-        <p:pic>
-          <p:nvPicPr>
-            <p:cNvPr id="1032" name="Picture 8">
-              <a:extLst>
-                <a:ext uri="{FF2B5EF4-FFF2-40B4-BE49-F238E27FC236}">
-                  <a16:creationId xmlns:a16="http://schemas.microsoft.com/office/drawing/2014/main" id="{44701811-4A01-40EB-B18D-F46B1FB0664D}"/>
-                </a:ext>
-              </a:extLst>
-            </p:cNvPr>
-            <p:cNvPicPr>
-              <a:picLocks noChangeAspect="1" noChangeArrowheads="1"/>
-            </p:cNvPicPr>
-            <p:nvPr/>
-          </p:nvPicPr>
-          <p:blipFill>
-            <a:blip r:embed="rId2">
-              <a:extLst>
-                <a:ext uri="{28A0092B-C50C-407E-A947-70E740481C1C}">
-                  <a14:useLocalDpi xmlns:a14="http://schemas.microsoft.com/office/drawing/2010/main" val="0"/>
-                </a:ext>
-              </a:extLst>
-            </a:blip>
-            <a:srcRect/>
-            <a:stretch>
-              <a:fillRect/>
-            </a:stretch>
-          </p:blipFill>
-          <p:spPr bwMode="auto">
-            <a:xfrm rot="19677933">
-              <a:off x="-2003958" y="578666"/>
-              <a:ext cx="2619375" cy="1524000"/>
-            </a:xfrm>
-            <a:prstGeom prst="rect">
-              <a:avLst/>
-            </a:prstGeom>
-            <a:noFill/>
-            <a:extLst>
-              <a:ext uri="{909E8E84-426E-40DD-AFC4-6F175D3DCCD1}">
-                <a14:hiddenFill xmlns:a14="http://schemas.microsoft.com/office/drawing/2010/main">
-                  <a:solidFill>
-                    <a:srgbClr val="FFFFFF"/>
-                  </a:solidFill>
-                </a14:hiddenFill>
-              </a:ext>
-            </a:extLst>
-          </p:spPr>
-        </p:pic>
-        <p:pic>
-          <p:nvPicPr>
-            <p:cNvPr id="9" name="Picture 8">
-              <a:extLst>
-                <a:ext uri="{FF2B5EF4-FFF2-40B4-BE49-F238E27FC236}">
-                  <a16:creationId xmlns:a16="http://schemas.microsoft.com/office/drawing/2014/main" id="{CAA7249B-A70A-45C2-AE10-EB085F525E36}"/>
-                </a:ext>
-              </a:extLst>
-            </p:cNvPr>
-            <p:cNvPicPr>
-              <a:picLocks noChangeAspect="1" noChangeArrowheads="1"/>
-            </p:cNvPicPr>
-            <p:nvPr/>
-          </p:nvPicPr>
-          <p:blipFill>
-            <a:blip r:embed="rId2">
-              <a:extLst>
-                <a:ext uri="{28A0092B-C50C-407E-A947-70E740481C1C}">
-                  <a14:useLocalDpi xmlns:a14="http://schemas.microsoft.com/office/drawing/2010/main" val="0"/>
-                </a:ext>
-              </a:extLst>
-            </a:blip>
-            <a:srcRect/>
-            <a:stretch>
-              <a:fillRect/>
-            </a:stretch>
-          </p:blipFill>
-          <p:spPr bwMode="auto">
-            <a:xfrm rot="19677933">
-              <a:off x="138109" y="-762001"/>
-              <a:ext cx="2619375" cy="1524000"/>
-            </a:xfrm>
-            <a:prstGeom prst="rect">
-              <a:avLst/>
-            </a:prstGeom>
-            <a:noFill/>
-            <a:extLst>
-              <a:ext uri="{909E8E84-426E-40DD-AFC4-6F175D3DCCD1}">
-                <a14:hiddenFill xmlns:a14="http://schemas.microsoft.com/office/drawing/2010/main">
-                  <a:solidFill>
-                    <a:srgbClr val="FFFFFF"/>
-                  </a:solidFill>
-                </a14:hiddenFill>
-              </a:ext>
-            </a:extLst>
-          </p:spPr>
-        </p:pic>
-      </p:grpSp>
+          <a:prstGeom prst="rect">
+            <a:avLst/>
+          </a:prstGeom>
+        </p:spPr>
+      </p:pic>
     </p:spTree>
     <p:extLst>
       <p:ext uri="{BB962C8B-B14F-4D97-AF65-F5344CB8AC3E}">
-        <p14:creationId xmlns:p14="http://schemas.microsoft.com/office/powerpoint/2010/main" val="194611191"/>
+        <p14:creationId xmlns:p14="http://schemas.microsoft.com/office/powerpoint/2010/main" val="1605603158"/>
       </p:ext>
     </p:extLst>
   </p:cSld>
@@ -3736,52 +3801,6 @@
           <a:chExt cx="0" cy="0"/>
         </a:xfrm>
       </p:grpSpPr>
-      <p:pic>
-        <p:nvPicPr>
-          <p:cNvPr id="18" name="图片 17" descr="微笑先生">
-            <a:extLst>
-              <a:ext uri="{FF2B5EF4-FFF2-40B4-BE49-F238E27FC236}">
-                <a16:creationId xmlns:a16="http://schemas.microsoft.com/office/drawing/2014/main" id="{288A0F72-A19A-4179-B6E5-F51DC2E82918}"/>
-              </a:ext>
-            </a:extLst>
-          </p:cNvPr>
-          <p:cNvPicPr>
-            <a:picLocks noChangeAspect="1"/>
-          </p:cNvPicPr>
-          <p:nvPr/>
-        </p:nvPicPr>
-        <p:blipFill>
-          <a:blip r:embed="rId2">
-            <a:extLst>
-              <a:ext uri="{28A0092B-C50C-407E-A947-70E740481C1C}">
-                <a14:useLocalDpi xmlns:a14="http://schemas.microsoft.com/office/drawing/2010/main" val="0"/>
-              </a:ext>
-            </a:extLst>
-          </a:blip>
-          <a:stretch>
-            <a:fillRect/>
-          </a:stretch>
-        </p:blipFill>
-        <p:spPr>
-          <a:xfrm>
-            <a:off x="6929145" y="2694247"/>
-            <a:ext cx="1905000" cy="1905000"/>
-          </a:xfrm>
-          <a:prstGeom prst="rect">
-            <a:avLst/>
-          </a:prstGeom>
-          <a:ln>
-            <a:noFill/>
-          </a:ln>
-          <a:effectLst>
-            <a:outerShdw blurRad="292100" dist="139700" dir="2700000" algn="tl" rotWithShape="0">
-              <a:srgbClr val="333333">
-                <a:alpha val="65000"/>
-              </a:srgbClr>
-            </a:outerShdw>
-          </a:effectLst>
-        </p:spPr>
-      </p:pic>
       <p:sp>
         <p:nvSpPr>
           <p:cNvPr id="23" name="任意多边形: 形状 22">
@@ -3967,21 +3986,111 @@
           <p:nvPr/>
         </p:nvPicPr>
         <p:blipFill>
-          <a:blip r:embed="rId3"/>
+          <a:blip r:embed="rId2"/>
           <a:stretch>
             <a:fillRect/>
           </a:stretch>
         </p:blipFill>
         <p:spPr>
           <a:xfrm>
-            <a:off x="3633015" y="1503062"/>
-            <a:ext cx="3216673" cy="3520132"/>
+            <a:off x="6831327" y="1647441"/>
+            <a:ext cx="1759909" cy="1925938"/>
           </a:xfrm>
           <a:prstGeom prst="rect">
             <a:avLst/>
           </a:prstGeom>
         </p:spPr>
       </p:pic>
+      <p:pic>
+        <p:nvPicPr>
+          <p:cNvPr id="1026" name="Picture 2" descr="查看源图像">
+            <a:extLst>
+              <a:ext uri="{FF2B5EF4-FFF2-40B4-BE49-F238E27FC236}">
+                <a16:creationId xmlns:a16="http://schemas.microsoft.com/office/drawing/2014/main" id="{EB7E6482-F7B4-4625-A78B-723450AC78E6}"/>
+              </a:ext>
+            </a:extLst>
+          </p:cNvPr>
+          <p:cNvPicPr>
+            <a:picLocks noChangeAspect="1" noChangeArrowheads="1"/>
+          </p:cNvPicPr>
+          <p:nvPr/>
+        </p:nvPicPr>
+        <p:blipFill>
+          <a:blip r:embed="rId3">
+            <a:extLst>
+              <a:ext uri="{28A0092B-C50C-407E-A947-70E740481C1C}">
+                <a14:useLocalDpi xmlns:a14="http://schemas.microsoft.com/office/drawing/2010/main" val="0"/>
+              </a:ext>
+            </a:extLst>
+          </a:blip>
+          <a:srcRect/>
+          <a:stretch>
+            <a:fillRect/>
+          </a:stretch>
+        </p:blipFill>
+        <p:spPr bwMode="auto">
+          <a:xfrm>
+            <a:off x="3464204" y="1434311"/>
+            <a:ext cx="3367123" cy="3367123"/>
+          </a:xfrm>
+          <a:prstGeom prst="rect">
+            <a:avLst/>
+          </a:prstGeom>
+          <a:noFill/>
+          <a:extLst>
+            <a:ext uri="{909E8E84-426E-40DD-AFC4-6F175D3DCCD1}">
+              <a14:hiddenFill xmlns:a14="http://schemas.microsoft.com/office/drawing/2010/main">
+                <a:solidFill>
+                  <a:srgbClr val="FFFFFF"/>
+                </a:solidFill>
+              </a14:hiddenFill>
+            </a:ext>
+          </a:extLst>
+        </p:spPr>
+      </p:pic>
+      <p:sp>
+        <p:nvSpPr>
+          <p:cNvPr id="2" name="文本框 1">
+            <a:extLst>
+              <a:ext uri="{FF2B5EF4-FFF2-40B4-BE49-F238E27FC236}">
+                <a16:creationId xmlns:a16="http://schemas.microsoft.com/office/drawing/2014/main" id="{65915AF1-6C4F-401D-A3AF-9C846327FFC3}"/>
+              </a:ext>
+            </a:extLst>
+          </p:cNvPr>
+          <p:cNvSpPr txBox="1"/>
+          <p:nvPr/>
+        </p:nvSpPr>
+        <p:spPr>
+          <a:xfrm flipH="1">
+            <a:off x="6968830" y="4002740"/>
+            <a:ext cx="1989539" cy="369332"/>
+          </a:xfrm>
+          <a:prstGeom prst="rect">
+            <a:avLst/>
+          </a:prstGeom>
+          <a:noFill/>
+        </p:spPr>
+        <p:txBody>
+          <a:bodyPr wrap="square" rtlCol="0">
+            <a:spAutoFit/>
+          </a:bodyPr>
+          <a:lstStyle/>
+          <a:p>
+            <a:r>
+              <a:rPr lang="zh-CN" altLang="en-US" b="1" dirty="0"/>
+              <a:t>我的</a:t>
+            </a:r>
+            <a:r>
+              <a:rPr lang="en-US" altLang="zh-CN" b="1" dirty="0"/>
+              <a:t>GitHub</a:t>
+            </a:r>
+            <a:r>
+              <a:rPr lang="zh-CN" altLang="en-US" b="1" dirty="0"/>
+              <a:t>主页</a:t>
+            </a:r>
+          </a:p>
+        </p:txBody>
+      </p:sp>
     </p:spTree>
     <p:extLst>
       <p:ext uri="{BB962C8B-B14F-4D97-AF65-F5344CB8AC3E}">
@@ -5510,6 +5619,413 @@
     <p:extLst>
       <p:ext uri="{BB962C8B-B14F-4D97-AF65-F5344CB8AC3E}">
         <p14:creationId xmlns:p14="http://schemas.microsoft.com/office/powerpoint/2010/main" val="81459538"/>
+      </p:ext>
+    </p:extLst>
+  </p:cSld>
+  <p:clrMapOvr>
+    <a:masterClrMapping/>
+  </p:clrMapOvr>
+</p:sld>
+</file>
+
+<file path=ppt/slides/slide8.xml><?xml version="1.0" encoding="utf-8"?>
+<p:sld xmlns:a="http://schemas.openxmlformats.org/drawingml/2006/main" xmlns:r="http://schemas.openxmlformats.org/officeDocument/2006/relationships" xmlns:p="http://schemas.openxmlformats.org/presentationml/2006/main">
+  <p:cSld>
+    <p:spTree>
+      <p:nvGrpSpPr>
+        <p:cNvPr id="1" name=""/>
+        <p:cNvGrpSpPr/>
+        <p:nvPr/>
+      </p:nvGrpSpPr>
+      <p:grpSpPr>
+        <a:xfrm>
+          <a:off x="0" y="0"/>
+          <a:ext cx="0" cy="0"/>
+          <a:chOff x="0" y="0"/>
+          <a:chExt cx="0" cy="0"/>
+        </a:xfrm>
+      </p:grpSpPr>
+      <p:sp>
+        <p:nvSpPr>
+          <p:cNvPr id="11" name="任意多边形: 形状 10">
+            <a:extLst>
+              <a:ext uri="{FF2B5EF4-FFF2-40B4-BE49-F238E27FC236}">
+                <a16:creationId xmlns:a16="http://schemas.microsoft.com/office/drawing/2014/main" id="{90F10CE4-0B5B-4577-894D-1D84680D939B}"/>
+              </a:ext>
+            </a:extLst>
+          </p:cNvPr>
+          <p:cNvSpPr/>
+          <p:nvPr/>
+        </p:nvSpPr>
+        <p:spPr>
+          <a:xfrm>
+            <a:off x="2601058" y="236912"/>
+            <a:ext cx="6989884" cy="6384175"/>
+          </a:xfrm>
+          <a:custGeom>
+            <a:avLst/>
+            <a:gdLst>
+              <a:gd name="connsiteX0" fmla="*/ 845374 w 6989884"/>
+              <a:gd name="connsiteY0" fmla="*/ 982287 h 6384175"/>
+              <a:gd name="connsiteX1" fmla="*/ 617815 w 6989884"/>
+              <a:gd name="connsiteY1" fmla="*/ 1209846 h 6384175"/>
+              <a:gd name="connsiteX2" fmla="*/ 617815 w 6989884"/>
+              <a:gd name="connsiteY2" fmla="*/ 4680183 h 6384175"/>
+              <a:gd name="connsiteX3" fmla="*/ 845374 w 6989884"/>
+              <a:gd name="connsiteY3" fmla="*/ 4907742 h 6384175"/>
+              <a:gd name="connsiteX4" fmla="*/ 6144510 w 6989884"/>
+              <a:gd name="connsiteY4" fmla="*/ 4907742 h 6384175"/>
+              <a:gd name="connsiteX5" fmla="*/ 6372069 w 6989884"/>
+              <a:gd name="connsiteY5" fmla="*/ 4680183 h 6384175"/>
+              <a:gd name="connsiteX6" fmla="*/ 6372069 w 6989884"/>
+              <a:gd name="connsiteY6" fmla="*/ 1209846 h 6384175"/>
+              <a:gd name="connsiteX7" fmla="*/ 6144510 w 6989884"/>
+              <a:gd name="connsiteY7" fmla="*/ 982287 h 6384175"/>
+              <a:gd name="connsiteX8" fmla="*/ 0 w 6989884"/>
+              <a:gd name="connsiteY8" fmla="*/ 0 h 6384175"/>
+              <a:gd name="connsiteX9" fmla="*/ 6989884 w 6989884"/>
+              <a:gd name="connsiteY9" fmla="*/ 0 h 6384175"/>
+              <a:gd name="connsiteX10" fmla="*/ 6989884 w 6989884"/>
+              <a:gd name="connsiteY10" fmla="*/ 6384175 h 6384175"/>
+              <a:gd name="connsiteX11" fmla="*/ 0 w 6989884"/>
+              <a:gd name="connsiteY11" fmla="*/ 6384175 h 6384175"/>
+            </a:gdLst>
+            <a:ahLst/>
+            <a:cxnLst>
+              <a:cxn ang="0">
+                <a:pos x="connsiteX0" y="connsiteY0"/>
+              </a:cxn>
+              <a:cxn ang="0">
+                <a:pos x="connsiteX1" y="connsiteY1"/>
+              </a:cxn>
+              <a:cxn ang="0">
+                <a:pos x="connsiteX2" y="connsiteY2"/>
+              </a:cxn>
+              <a:cxn ang="0">
+                <a:pos x="connsiteX3" y="connsiteY3"/>
+              </a:cxn>
+              <a:cxn ang="0">
+                <a:pos x="connsiteX4" y="connsiteY4"/>
+              </a:cxn>
+              <a:cxn ang="0">
+                <a:pos x="connsiteX5" y="connsiteY5"/>
+              </a:cxn>
+              <a:cxn ang="0">
+                <a:pos x="connsiteX6" y="connsiteY6"/>
+              </a:cxn>
+              <a:cxn ang="0">
+                <a:pos x="connsiteX7" y="connsiteY7"/>
+              </a:cxn>
+              <a:cxn ang="0">
+                <a:pos x="connsiteX8" y="connsiteY8"/>
+              </a:cxn>
+              <a:cxn ang="0">
+                <a:pos x="connsiteX9" y="connsiteY9"/>
+              </a:cxn>
+              <a:cxn ang="0">
+                <a:pos x="connsiteX10" y="connsiteY10"/>
+              </a:cxn>
+              <a:cxn ang="0">
+                <a:pos x="connsiteX11" y="connsiteY11"/>
+              </a:cxn>
+            </a:cxnLst>
+            <a:rect l="l" t="t" r="r" b="b"/>
+            <a:pathLst>
+              <a:path w="6989884" h="6384175">
+                <a:moveTo>
+                  <a:pt x="845374" y="982287"/>
+                </a:moveTo>
+                <a:cubicBezTo>
+                  <a:pt x="719697" y="982287"/>
+                  <a:pt x="617815" y="1084169"/>
+                  <a:pt x="617815" y="1209846"/>
+                </a:cubicBezTo>
+                <a:lnTo>
+                  <a:pt x="617815" y="4680183"/>
+                </a:lnTo>
+                <a:cubicBezTo>
+                  <a:pt x="617815" y="4805860"/>
+                  <a:pt x="719697" y="4907742"/>
+                  <a:pt x="845374" y="4907742"/>
+                </a:cubicBezTo>
+                <a:lnTo>
+                  <a:pt x="6144510" y="4907742"/>
+                </a:lnTo>
+                <a:cubicBezTo>
+                  <a:pt x="6270187" y="4907742"/>
+                  <a:pt x="6372069" y="4805860"/>
+                  <a:pt x="6372069" y="4680183"/>
+                </a:cubicBezTo>
+                <a:lnTo>
+                  <a:pt x="6372069" y="1209846"/>
+                </a:lnTo>
+                <a:cubicBezTo>
+                  <a:pt x="6372069" y="1084169"/>
+                  <a:pt x="6270187" y="982287"/>
+                  <a:pt x="6144510" y="982287"/>
+                </a:cubicBezTo>
+                <a:close/>
+                <a:moveTo>
+                  <a:pt x="0" y="0"/>
+                </a:moveTo>
+                <a:lnTo>
+                  <a:pt x="6989884" y="0"/>
+                </a:lnTo>
+                <a:lnTo>
+                  <a:pt x="6989884" y="6384175"/>
+                </a:lnTo>
+                <a:lnTo>
+                  <a:pt x="0" y="6384175"/>
+                </a:lnTo>
+                <a:close/>
+              </a:path>
+            </a:pathLst>
+          </a:custGeom>
+          <a:solidFill>
+            <a:schemeClr val="bg1"/>
+          </a:solidFill>
+          <a:ln w="76200">
+            <a:solidFill>
+              <a:schemeClr val="tx1"/>
+            </a:solidFill>
+          </a:ln>
+        </p:spPr>
+        <p:style>
+          <a:lnRef idx="2">
+            <a:schemeClr val="accent1">
+              <a:shade val="50000"/>
+            </a:schemeClr>
+          </a:lnRef>
+          <a:fillRef idx="1">
+            <a:schemeClr val="accent1"/>
+          </a:fillRef>
+          <a:effectRef idx="0">
+            <a:schemeClr val="accent1"/>
+          </a:effectRef>
+          <a:fontRef idx="minor">
+            <a:schemeClr val="lt1"/>
+          </a:fontRef>
+        </p:style>
+        <p:txBody>
+          <a:bodyPr wrap="square" rtlCol="0" anchor="ctr">
+            <a:noAutofit/>
+          </a:bodyPr>
+          <a:lstStyle/>
+          <a:p>
+            <a:pPr algn="ctr"/>
+            <a:endParaRPr lang="zh-CN" altLang="en-US" dirty="0"/>
+          </a:p>
+        </p:txBody>
+      </p:sp>
+      <p:sp>
+        <p:nvSpPr>
+          <p:cNvPr id="2" name="文本框 1">
+            <a:extLst>
+              <a:ext uri="{FF2B5EF4-FFF2-40B4-BE49-F238E27FC236}">
+                <a16:creationId xmlns:a16="http://schemas.microsoft.com/office/drawing/2014/main" id="{13369830-E22D-4CAC-9331-8A28CFEA0A56}"/>
+              </a:ext>
+            </a:extLst>
+          </p:cNvPr>
+          <p:cNvSpPr txBox="1"/>
+          <p:nvPr/>
+        </p:nvSpPr>
+        <p:spPr>
+          <a:xfrm>
+            <a:off x="3526971" y="1931927"/>
+            <a:ext cx="4344459" cy="1107996"/>
+          </a:xfrm>
+          <a:prstGeom prst="rect">
+            <a:avLst/>
+          </a:prstGeom>
+          <a:noFill/>
+        </p:spPr>
+        <p:txBody>
+          <a:bodyPr wrap="none" rtlCol="0">
+            <a:spAutoFit/>
+          </a:bodyPr>
+          <a:lstStyle/>
+          <a:p>
+            <a:r>
+              <a:rPr lang="en-US" altLang="zh-CN" sz="6600" b="1" dirty="0"/>
+              <a:t>TSA-GAN: </a:t>
+            </a:r>
+            <a:endParaRPr lang="zh-CN" altLang="en-US" sz="6600" b="1" dirty="0"/>
+          </a:p>
+        </p:txBody>
+      </p:sp>
+      <p:sp>
+        <p:nvSpPr>
+          <p:cNvPr id="6" name="文本框 5">
+            <a:extLst>
+              <a:ext uri="{FF2B5EF4-FFF2-40B4-BE49-F238E27FC236}">
+                <a16:creationId xmlns:a16="http://schemas.microsoft.com/office/drawing/2014/main" id="{C913192B-BF6A-46FB-BDA6-7C932A776FCD}"/>
+              </a:ext>
+            </a:extLst>
+          </p:cNvPr>
+          <p:cNvSpPr txBox="1"/>
+          <p:nvPr/>
+        </p:nvSpPr>
+        <p:spPr>
+          <a:xfrm>
+            <a:off x="4525593" y="3428999"/>
+            <a:ext cx="4178395" cy="1015663"/>
+          </a:xfrm>
+          <a:prstGeom prst="rect">
+            <a:avLst/>
+          </a:prstGeom>
+          <a:noFill/>
+        </p:spPr>
+        <p:txBody>
+          <a:bodyPr wrap="square">
+            <a:spAutoFit/>
+          </a:bodyPr>
+          <a:lstStyle/>
+          <a:p>
+            <a:r>
+              <a:rPr lang="en-US" altLang="zh-CN" sz="2000" dirty="0"/>
+              <a:t>A Robust Generative Adversarial </a:t>
+            </a:r>
+          </a:p>
+          <a:p>
+            <a:r>
+              <a:rPr lang="en-US" altLang="zh-CN" sz="2000" dirty="0"/>
+              <a:t>Networks for Time Series Augmentation</a:t>
+            </a:r>
+            <a:endParaRPr lang="zh-CN" altLang="en-US" sz="2000" dirty="0"/>
+          </a:p>
+        </p:txBody>
+      </p:sp>
+      <p:grpSp>
+        <p:nvGrpSpPr>
+          <p:cNvPr id="8" name="组合 7">
+            <a:extLst>
+              <a:ext uri="{FF2B5EF4-FFF2-40B4-BE49-F238E27FC236}">
+                <a16:creationId xmlns:a16="http://schemas.microsoft.com/office/drawing/2014/main" id="{05165B6A-4D0F-47E7-B07A-C60ABDBB8A37}"/>
+              </a:ext>
+            </a:extLst>
+          </p:cNvPr>
+          <p:cNvGrpSpPr/>
+          <p:nvPr/>
+        </p:nvGrpSpPr>
+        <p:grpSpPr>
+          <a:xfrm>
+            <a:off x="7979196" y="1368164"/>
+            <a:ext cx="818147" cy="818147"/>
+            <a:chOff x="831897" y="1326912"/>
+            <a:chExt cx="818147" cy="818147"/>
+          </a:xfrm>
+          <a:effectLst>
+            <a:outerShdw blurRad="50800" dist="38100" dir="2700000" algn="tl" rotWithShape="0">
+              <a:prstClr val="black">
+                <a:alpha val="40000"/>
+              </a:prstClr>
+            </a:outerShdw>
+          </a:effectLst>
+        </p:grpSpPr>
+        <p:sp>
+          <p:nvSpPr>
+            <p:cNvPr id="5" name="椭圆 4">
+              <a:extLst>
+                <a:ext uri="{FF2B5EF4-FFF2-40B4-BE49-F238E27FC236}">
+                  <a16:creationId xmlns:a16="http://schemas.microsoft.com/office/drawing/2014/main" id="{C60A87C4-9E65-417C-A955-7CD2B47D75E9}"/>
+                </a:ext>
+              </a:extLst>
+            </p:cNvPr>
+            <p:cNvSpPr/>
+            <p:nvPr/>
+          </p:nvSpPr>
+          <p:spPr>
+            <a:xfrm>
+              <a:off x="831897" y="1326912"/>
+              <a:ext cx="818147" cy="818147"/>
+            </a:xfrm>
+            <a:prstGeom prst="ellipse">
+              <a:avLst/>
+            </a:prstGeom>
+            <a:solidFill>
+              <a:schemeClr val="accent1">
+                <a:lumMod val="50000"/>
+              </a:schemeClr>
+            </a:solidFill>
+            <a:ln>
+              <a:noFill/>
+            </a:ln>
+          </p:spPr>
+          <p:style>
+            <a:lnRef idx="2">
+              <a:schemeClr val="accent1">
+                <a:shade val="50000"/>
+              </a:schemeClr>
+            </a:lnRef>
+            <a:fillRef idx="1">
+              <a:schemeClr val="accent1"/>
+            </a:fillRef>
+            <a:effectRef idx="0">
+              <a:schemeClr val="accent1"/>
+            </a:effectRef>
+            <a:fontRef idx="minor">
+              <a:schemeClr val="lt1"/>
+            </a:fontRef>
+          </p:style>
+          <p:txBody>
+            <a:bodyPr rtlCol="0" anchor="ctr"/>
+            <a:lstStyle/>
+            <a:p>
+              <a:pPr algn="ctr"/>
+              <a:endParaRPr lang="zh-CN" altLang="en-US" sz="1200" b="1" dirty="0"/>
+            </a:p>
+          </p:txBody>
+        </p:sp>
+        <p:sp>
+          <p:nvSpPr>
+            <p:cNvPr id="9" name="文本框 8">
+              <a:extLst>
+                <a:ext uri="{FF2B5EF4-FFF2-40B4-BE49-F238E27FC236}">
+                  <a16:creationId xmlns:a16="http://schemas.microsoft.com/office/drawing/2014/main" id="{81BA4E7A-5243-47E2-BA78-8C748DBDE60C}"/>
+                </a:ext>
+              </a:extLst>
+            </p:cNvPr>
+            <p:cNvSpPr txBox="1"/>
+            <p:nvPr/>
+          </p:nvSpPr>
+          <p:spPr>
+            <a:xfrm>
+              <a:off x="870405" y="1511706"/>
+              <a:ext cx="741132" cy="338554"/>
+            </a:xfrm>
+            <a:prstGeom prst="rect">
+              <a:avLst/>
+            </a:prstGeom>
+            <a:noFill/>
+          </p:spPr>
+          <p:txBody>
+            <a:bodyPr wrap="square">
+              <a:spAutoFit/>
+            </a:bodyPr>
+            <a:lstStyle/>
+            <a:p>
+              <a:pPr algn="ctr"/>
+              <a:r>
+                <a:rPr lang="en-US" altLang="zh-CN" sz="1600" b="1" dirty="0">
+                  <a:solidFill>
+                    <a:schemeClr val="bg1"/>
+                  </a:solidFill>
+                </a:rPr>
+                <a:t>paper</a:t>
+              </a:r>
+              <a:endParaRPr lang="zh-CN" altLang="en-US" sz="1600" b="1" dirty="0">
+                <a:solidFill>
+                  <a:schemeClr val="bg1"/>
+                </a:solidFill>
+              </a:endParaRPr>
+            </a:p>
+          </p:txBody>
+        </p:sp>
+      </p:grpSp>
+    </p:spTree>
+    <p:extLst>
+      <p:ext uri="{BB962C8B-B14F-4D97-AF65-F5344CB8AC3E}">
+        <p14:creationId xmlns:p14="http://schemas.microsoft.com/office/powerpoint/2010/main" val="1048392394"/>
       </p:ext>
     </p:extLst>
   </p:cSld>

--- a/网站元素.pptx
+++ b/网站元素.pptx
@@ -8,11 +8,10 @@
     <p:sldId id="265" r:id="rId2"/>
     <p:sldId id="258" r:id="rId3"/>
     <p:sldId id="259" r:id="rId4"/>
-    <p:sldId id="261" r:id="rId5"/>
-    <p:sldId id="260" r:id="rId6"/>
-    <p:sldId id="262" r:id="rId7"/>
-    <p:sldId id="263" r:id="rId8"/>
-    <p:sldId id="264" r:id="rId9"/>
+    <p:sldId id="260" r:id="rId5"/>
+    <p:sldId id="262" r:id="rId6"/>
+    <p:sldId id="263" r:id="rId7"/>
+    <p:sldId id="264" r:id="rId8"/>
   </p:sldIdLst>
   <p:sldSz cx="12192000" cy="6858000"/>
   <p:notesSz cx="6858000" cy="9144000"/>
@@ -122,7 +121,7 @@
 <file path=ppt/revisionInfo.xml><?xml version="1.0" encoding="utf-8"?>
 <p1510:revInfo xmlns:a="http://schemas.openxmlformats.org/drawingml/2006/main" xmlns:r="http://schemas.openxmlformats.org/officeDocument/2006/relationships" xmlns:p1510="http://schemas.microsoft.com/office/powerpoint/2015/10/main">
   <p1510:revLst>
-    <p1510:client id="{3C63D6E2-A2DC-4692-B725-C6CF87498645}" v="7" dt="2021-10-07T03:53:43.891"/>
+    <p1510:client id="{3C63D6E2-A2DC-4692-B725-C6CF87498645}" v="8" dt="2021-10-07T05:47:49.744"/>
   </p1510:revLst>
 </p1510:revInfo>
 </file>
@@ -400,8 +399,8 @@
   </pc:docChgLst>
   <pc:docChgLst>
     <pc:chgData name="Li Elio" userId="c4294b10df583f6a" providerId="LiveId" clId="{3C63D6E2-A2DC-4692-B725-C6CF87498645}"/>
-    <pc:docChg chg="custSel addSld modSld">
-      <pc:chgData name="Li Elio" userId="c4294b10df583f6a" providerId="LiveId" clId="{3C63D6E2-A2DC-4692-B725-C6CF87498645}" dt="2021-10-07T03:54:23.383" v="57" actId="20577"/>
+    <pc:docChg chg="custSel addSld delSld modSld">
+      <pc:chgData name="Li Elio" userId="c4294b10df583f6a" providerId="LiveId" clId="{3C63D6E2-A2DC-4692-B725-C6CF87498645}" dt="2021-10-07T05:48:21.199" v="63" actId="1076"/>
       <pc:docMkLst>
         <pc:docMk/>
       </pc:docMkLst>
@@ -441,6 +440,44 @@
             <pc:docMk/>
             <pc:sldMk cId="3742901206" sldId="258"/>
             <ac:picMk id="1026" creationId="{EB7E6482-F7B4-4625-A78B-723450AC78E6}"/>
+          </ac:picMkLst>
+        </pc:picChg>
+      </pc:sldChg>
+      <pc:sldChg chg="del">
+        <pc:chgData name="Li Elio" userId="c4294b10df583f6a" providerId="LiveId" clId="{3C63D6E2-A2DC-4692-B725-C6CF87498645}" dt="2021-10-07T05:46:35.064" v="58" actId="47"/>
+        <pc:sldMkLst>
+          <pc:docMk/>
+          <pc:sldMk cId="3572697240" sldId="261"/>
+        </pc:sldMkLst>
+      </pc:sldChg>
+      <pc:sldChg chg="addSp delSp modSp mod">
+        <pc:chgData name="Li Elio" userId="c4294b10df583f6a" providerId="LiveId" clId="{3C63D6E2-A2DC-4692-B725-C6CF87498645}" dt="2021-10-07T05:48:21.199" v="63" actId="1076"/>
+        <pc:sldMkLst>
+          <pc:docMk/>
+          <pc:sldMk cId="81459538" sldId="263"/>
+        </pc:sldMkLst>
+        <pc:spChg chg="del">
+          <ac:chgData name="Li Elio" userId="c4294b10df583f6a" providerId="LiveId" clId="{3C63D6E2-A2DC-4692-B725-C6CF87498645}" dt="2021-10-07T05:46:40.554" v="59" actId="478"/>
+          <ac:spMkLst>
+            <pc:docMk/>
+            <pc:sldMk cId="81459538" sldId="263"/>
+            <ac:spMk id="6" creationId="{2A6C04F3-E4AA-4429-979E-ECA834579B70}"/>
+          </ac:spMkLst>
+        </pc:spChg>
+        <pc:picChg chg="add mod">
+          <ac:chgData name="Li Elio" userId="c4294b10df583f6a" providerId="LiveId" clId="{3C63D6E2-A2DC-4692-B725-C6CF87498645}" dt="2021-10-07T05:48:21.199" v="63" actId="1076"/>
+          <ac:picMkLst>
+            <pc:docMk/>
+            <pc:sldMk cId="81459538" sldId="263"/>
+            <ac:picMk id="3" creationId="{91E6F2E1-C3C9-4143-BD06-AEAB7E1FBDE8}"/>
+          </ac:picMkLst>
+        </pc:picChg>
+        <pc:picChg chg="del">
+          <ac:chgData name="Li Elio" userId="c4294b10df583f6a" providerId="LiveId" clId="{3C63D6E2-A2DC-4692-B725-C6CF87498645}" dt="2021-10-07T05:46:42.794" v="60" actId="478"/>
+          <ac:picMkLst>
+            <pc:docMk/>
+            <pc:sldMk cId="81459538" sldId="263"/>
+            <ac:picMk id="4" creationId="{C7BD1DAC-7FAC-4009-8762-E6A2B009EB03}"/>
           </ac:picMkLst>
         </pc:picChg>
       </pc:sldChg>
@@ -4353,71 +4390,176 @@
           <a:chExt cx="0" cy="0"/>
         </a:xfrm>
       </p:grpSpPr>
-      <p:pic>
-        <p:nvPicPr>
-          <p:cNvPr id="8" name="Picture 2">
-            <a:extLst>
-              <a:ext uri="{FF2B5EF4-FFF2-40B4-BE49-F238E27FC236}">
-                <a16:creationId xmlns:a16="http://schemas.microsoft.com/office/drawing/2014/main" id="{B08E017D-CC44-4E08-AE0B-4D98D1A8AEBF}"/>
-              </a:ext>
-            </a:extLst>
-          </p:cNvPr>
-          <p:cNvPicPr>
-            <a:picLocks noChangeAspect="1" noChangeArrowheads="1"/>
-          </p:cNvPicPr>
+      <p:grpSp>
+        <p:nvGrpSpPr>
+          <p:cNvPr id="6" name="组合 5">
+            <a:extLst>
+              <a:ext uri="{FF2B5EF4-FFF2-40B4-BE49-F238E27FC236}">
+                <a16:creationId xmlns:a16="http://schemas.microsoft.com/office/drawing/2014/main" id="{58761ADC-ED7D-4FFE-8D11-0A2F8CDFEB2A}"/>
+              </a:ext>
+            </a:extLst>
+          </p:cNvPr>
+          <p:cNvGrpSpPr/>
           <p:nvPr/>
-        </p:nvPicPr>
-        <p:blipFill>
-          <a:blip r:embed="rId2">
-            <a:extLst>
-              <a:ext uri="{BEBA8EAE-BF5A-486C-A8C5-ECC9F3942E4B}">
-                <a14:imgProps xmlns:a14="http://schemas.microsoft.com/office/drawing/2010/main">
-                  <a14:imgLayer r:embed="rId3">
-                    <a14:imgEffect>
-                      <a14:artisticBlur radius="7"/>
-                    </a14:imgEffect>
-                    <a14:imgEffect>
-                      <a14:saturation sat="33000"/>
-                    </a14:imgEffect>
-                  </a14:imgLayer>
-                </a14:imgProps>
-              </a:ext>
-              <a:ext uri="{28A0092B-C50C-407E-A947-70E740481C1C}">
-                <a14:useLocalDpi xmlns:a14="http://schemas.microsoft.com/office/drawing/2010/main" val="0"/>
-              </a:ext>
-            </a:extLst>
-          </a:blip>
-          <a:srcRect/>
-          <a:stretch>
-            <a:fillRect/>
-          </a:stretch>
-        </p:blipFill>
-        <p:spPr bwMode="auto">
+        </p:nvGrpSpPr>
+        <p:grpSpPr>
+          <a:xfrm rot="20994854">
+            <a:off x="2581991" y="1079169"/>
+            <a:ext cx="2863356" cy="1722705"/>
+            <a:chOff x="-2003958" y="-762001"/>
+            <a:chExt cx="4761442" cy="2864667"/>
+          </a:xfrm>
+        </p:grpSpPr>
+        <p:pic>
+          <p:nvPicPr>
+            <p:cNvPr id="8" name="Picture 8">
+              <a:extLst>
+                <a:ext uri="{FF2B5EF4-FFF2-40B4-BE49-F238E27FC236}">
+                  <a16:creationId xmlns:a16="http://schemas.microsoft.com/office/drawing/2014/main" id="{9C6A0FEC-178F-4F00-B64F-4DE498037D8C}"/>
+                </a:ext>
+              </a:extLst>
+            </p:cNvPr>
+            <p:cNvPicPr>
+              <a:picLocks noChangeAspect="1" noChangeArrowheads="1"/>
+            </p:cNvPicPr>
+            <p:nvPr/>
+          </p:nvPicPr>
+          <p:blipFill>
+            <a:blip r:embed="rId2">
+              <a:extLst>
+                <a:ext uri="{28A0092B-C50C-407E-A947-70E740481C1C}">
+                  <a14:useLocalDpi xmlns:a14="http://schemas.microsoft.com/office/drawing/2010/main" val="0"/>
+                </a:ext>
+              </a:extLst>
+            </a:blip>
+            <a:srcRect/>
+            <a:stretch>
+              <a:fillRect/>
+            </a:stretch>
+          </p:blipFill>
+          <p:spPr bwMode="auto">
+            <a:xfrm rot="19677933">
+              <a:off x="-2003958" y="578666"/>
+              <a:ext cx="2619375" cy="1524000"/>
+            </a:xfrm>
+            <a:prstGeom prst="rect">
+              <a:avLst/>
+            </a:prstGeom>
+            <a:noFill/>
+            <a:extLst>
+              <a:ext uri="{909E8E84-426E-40DD-AFC4-6F175D3DCCD1}">
+                <a14:hiddenFill xmlns:a14="http://schemas.microsoft.com/office/drawing/2010/main">
+                  <a:solidFill>
+                    <a:srgbClr val="FFFFFF"/>
+                  </a:solidFill>
+                </a14:hiddenFill>
+              </a:ext>
+            </a:extLst>
+          </p:spPr>
+        </p:pic>
+        <p:pic>
+          <p:nvPicPr>
+            <p:cNvPr id="9" name="Picture 8">
+              <a:extLst>
+                <a:ext uri="{FF2B5EF4-FFF2-40B4-BE49-F238E27FC236}">
+                  <a16:creationId xmlns:a16="http://schemas.microsoft.com/office/drawing/2014/main" id="{95DA3CEC-BB62-46CB-BC12-B45626B8CB04}"/>
+                </a:ext>
+              </a:extLst>
+            </p:cNvPr>
+            <p:cNvPicPr>
+              <a:picLocks noChangeAspect="1" noChangeArrowheads="1"/>
+            </p:cNvPicPr>
+            <p:nvPr/>
+          </p:nvPicPr>
+          <p:blipFill>
+            <a:blip r:embed="rId2">
+              <a:extLst>
+                <a:ext uri="{28A0092B-C50C-407E-A947-70E740481C1C}">
+                  <a14:useLocalDpi xmlns:a14="http://schemas.microsoft.com/office/drawing/2010/main" val="0"/>
+                </a:ext>
+              </a:extLst>
+            </a:blip>
+            <a:srcRect/>
+            <a:stretch>
+              <a:fillRect/>
+            </a:stretch>
+          </p:blipFill>
+          <p:spPr bwMode="auto">
+            <a:xfrm rot="19677933">
+              <a:off x="138109" y="-762001"/>
+              <a:ext cx="2619375" cy="1524000"/>
+            </a:xfrm>
+            <a:prstGeom prst="rect">
+              <a:avLst/>
+            </a:prstGeom>
+            <a:noFill/>
+            <a:extLst>
+              <a:ext uri="{909E8E84-426E-40DD-AFC4-6F175D3DCCD1}">
+                <a14:hiddenFill xmlns:a14="http://schemas.microsoft.com/office/drawing/2010/main">
+                  <a:solidFill>
+                    <a:srgbClr val="FFFFFF"/>
+                  </a:solidFill>
+                </a14:hiddenFill>
+              </a:ext>
+            </a:extLst>
+          </p:spPr>
+        </p:pic>
+      </p:grpSp>
+      <p:sp>
+        <p:nvSpPr>
+          <p:cNvPr id="2" name="文本框 1">
+            <a:extLst>
+              <a:ext uri="{FF2B5EF4-FFF2-40B4-BE49-F238E27FC236}">
+                <a16:creationId xmlns:a16="http://schemas.microsoft.com/office/drawing/2014/main" id="{CE4F55C6-4492-497F-AA51-406EC374CEB5}"/>
+              </a:ext>
+            </a:extLst>
+          </p:cNvPr>
+          <p:cNvSpPr txBox="1"/>
+          <p:nvPr/>
+        </p:nvSpPr>
+        <p:spPr>
           <a:xfrm>
-            <a:off x="2532306" y="1246640"/>
-            <a:ext cx="7860227" cy="3958696"/>
+            <a:off x="4471843" y="2586181"/>
+            <a:ext cx="3100529" cy="1200329"/>
           </a:xfrm>
           <a:prstGeom prst="rect">
             <a:avLst/>
           </a:prstGeom>
           <a:noFill/>
-          <a:extLst>
-            <a:ext uri="{909E8E84-426E-40DD-AFC4-6F175D3DCCD1}">
-              <a14:hiddenFill xmlns:a14="http://schemas.microsoft.com/office/drawing/2010/main">
-                <a:solidFill>
-                  <a:srgbClr val="FFFFFF"/>
-                </a:solidFill>
-              </a14:hiddenFill>
-            </a:ext>
-          </a:extLst>
         </p:spPr>
-      </p:pic>
-      <p:sp>
-        <p:nvSpPr>
-          <p:cNvPr id="5" name="任意多边形: 形状 4">
-            <a:extLst>
-              <a:ext uri="{FF2B5EF4-FFF2-40B4-BE49-F238E27FC236}">
-                <a16:creationId xmlns:a16="http://schemas.microsoft.com/office/drawing/2014/main" id="{6319846A-C1B0-4866-903D-6CE08E331985}"/>
+        <p:txBody>
+          <a:bodyPr wrap="none" rtlCol="0">
+            <a:spAutoFit/>
+          </a:bodyPr>
+          <a:lstStyle/>
+          <a:p>
+            <a:r>
+              <a:rPr lang="en-US" altLang="zh-CN" sz="3600" dirty="0">
+                <a:latin typeface="Century Gothic" panose="020B0502020202020204" pitchFamily="34" charset="0"/>
+              </a:rPr>
+              <a:t>coming soon</a:t>
+            </a:r>
+          </a:p>
+          <a:p>
+            <a:pPr algn="ctr"/>
+            <a:r>
+              <a:rPr lang="en-US" altLang="zh-CN" sz="3600" dirty="0">
+                <a:latin typeface="Century Gothic" panose="020B0502020202020204" pitchFamily="34" charset="0"/>
+              </a:rPr>
+              <a:t>……</a:t>
+            </a:r>
+            <a:endParaRPr lang="zh-CN" altLang="en-US" sz="3600" dirty="0">
+              <a:latin typeface="Century Gothic" panose="020B0502020202020204" pitchFamily="34" charset="0"/>
+            </a:endParaRPr>
+          </a:p>
+        </p:txBody>
+      </p:sp>
+      <p:sp>
+        <p:nvSpPr>
+          <p:cNvPr id="13" name="任意多边形: 形状 12">
+            <a:extLst>
+              <a:ext uri="{FF2B5EF4-FFF2-40B4-BE49-F238E27FC236}">
+                <a16:creationId xmlns:a16="http://schemas.microsoft.com/office/drawing/2014/main" id="{23734649-DA61-4B5F-9112-F53B274A6693}"/>
               </a:ext>
             </a:extLst>
           </p:cNvPr>
@@ -4580,162 +4722,14 @@
           <a:lstStyle/>
           <a:p>
             <a:pPr algn="ctr"/>
-            <a:endParaRPr lang="zh-CN" altLang="en-US" dirty="0"/>
-          </a:p>
-        </p:txBody>
-      </p:sp>
-      <p:sp>
-        <p:nvSpPr>
-          <p:cNvPr id="9" name="标题 1">
-            <a:extLst>
-              <a:ext uri="{FF2B5EF4-FFF2-40B4-BE49-F238E27FC236}">
-                <a16:creationId xmlns:a16="http://schemas.microsoft.com/office/drawing/2014/main" id="{F5DBA578-4BC0-4315-ACDE-07889F15995C}"/>
-              </a:ext>
-            </a:extLst>
-          </p:cNvPr>
-          <p:cNvSpPr>
-            <a:spLocks noGrp="1"/>
-          </p:cNvSpPr>
-          <p:nvPr>
-            <p:ph type="ctrTitle"/>
-          </p:nvPr>
-        </p:nvSpPr>
-        <p:spPr>
-          <a:xfrm>
-            <a:off x="3668925" y="1955490"/>
-            <a:ext cx="3158003" cy="869891"/>
-          </a:xfrm>
-        </p:spPr>
-        <p:txBody>
-          <a:bodyPr>
-            <a:normAutofit fontScale="90000"/>
-          </a:bodyPr>
-          <a:lstStyle/>
-          <a:p>
-            <a:r>
-              <a:rPr lang="en-US" altLang="zh-CN" dirty="0">
-                <a:solidFill>
-                  <a:schemeClr val="bg1"/>
-                </a:solidFill>
-                <a:latin typeface="方正姚体" panose="02010601030101010101" pitchFamily="2" charset="-122"/>
-                <a:ea typeface="方正姚体" panose="02010601030101010101" pitchFamily="2" charset="-122"/>
-              </a:rPr>
-              <a:t>CXK</a:t>
-            </a:r>
-            <a:endParaRPr lang="zh-CN" altLang="en-US" dirty="0">
-              <a:solidFill>
-                <a:schemeClr val="bg1"/>
-              </a:solidFill>
-              <a:latin typeface="方正姚体" panose="02010601030101010101" pitchFamily="2" charset="-122"/>
-              <a:ea typeface="方正姚体" panose="02010601030101010101" pitchFamily="2" charset="-122"/>
-            </a:endParaRPr>
-          </a:p>
-        </p:txBody>
-      </p:sp>
-      <p:sp>
-        <p:nvSpPr>
-          <p:cNvPr id="10" name="矩形: 圆角 9">
-            <a:extLst>
-              <a:ext uri="{FF2B5EF4-FFF2-40B4-BE49-F238E27FC236}">
-                <a16:creationId xmlns:a16="http://schemas.microsoft.com/office/drawing/2014/main" id="{E07ACA92-3FA2-4738-A8BD-347F5BCC3130}"/>
-              </a:ext>
-            </a:extLst>
-          </p:cNvPr>
-          <p:cNvSpPr/>
-          <p:nvPr/>
-        </p:nvSpPr>
-        <p:spPr>
-          <a:xfrm>
-            <a:off x="6006623" y="1911410"/>
-            <a:ext cx="1609490" cy="988202"/>
-          </a:xfrm>
-          <a:prstGeom prst="roundRect">
-            <a:avLst/>
-          </a:prstGeom>
-          <a:solidFill>
-            <a:srgbClr val="E67300"/>
-          </a:solidFill>
-          <a:ln>
-            <a:noFill/>
-          </a:ln>
-        </p:spPr>
-        <p:style>
-          <a:lnRef idx="2">
-            <a:schemeClr val="accent4">
-              <a:shade val="50000"/>
-            </a:schemeClr>
-          </a:lnRef>
-          <a:fillRef idx="1">
-            <a:schemeClr val="accent4"/>
-          </a:fillRef>
-          <a:effectRef idx="0">
-            <a:schemeClr val="accent4"/>
-          </a:effectRef>
-          <a:fontRef idx="minor">
-            <a:schemeClr val="lt1"/>
-          </a:fontRef>
-        </p:style>
-        <p:txBody>
-          <a:bodyPr rtlCol="0" anchor="ctr"/>
-          <a:lstStyle/>
-          <a:p>
-            <a:pPr algn="ctr"/>
-            <a:endParaRPr lang="zh-CN" altLang="en-US" sz="6600" dirty="0">
-              <a:solidFill>
-                <a:schemeClr val="tx1"/>
-              </a:solidFill>
-              <a:latin typeface="方正姚体" panose="02010601030101010101" pitchFamily="2" charset="-122"/>
-              <a:ea typeface="方正姚体" panose="02010601030101010101" pitchFamily="2" charset="-122"/>
-            </a:endParaRPr>
-          </a:p>
-        </p:txBody>
-      </p:sp>
-      <p:sp>
-        <p:nvSpPr>
-          <p:cNvPr id="12" name="矩形 11">
-            <a:extLst>
-              <a:ext uri="{FF2B5EF4-FFF2-40B4-BE49-F238E27FC236}">
-                <a16:creationId xmlns:a16="http://schemas.microsoft.com/office/drawing/2014/main" id="{F728F97D-019B-4415-B7B7-4AB790459E70}"/>
-              </a:ext>
-            </a:extLst>
-          </p:cNvPr>
-          <p:cNvSpPr/>
-          <p:nvPr/>
-        </p:nvSpPr>
-        <p:spPr>
-          <a:xfrm>
-            <a:off x="6141954" y="1809718"/>
-            <a:ext cx="1338828" cy="1015663"/>
-          </a:xfrm>
-          <a:prstGeom prst="rect">
-            <a:avLst/>
-          </a:prstGeom>
-        </p:spPr>
-        <p:txBody>
-          <a:bodyPr wrap="none">
-            <a:spAutoFit/>
-          </a:bodyPr>
-          <a:lstStyle/>
-          <a:p>
-            <a:pPr algn="ctr"/>
-            <a:r>
-              <a:rPr lang="en-US" altLang="zh-CN" sz="6000" dirty="0">
-                <a:latin typeface="方正姚体" panose="02010601030101010101" pitchFamily="2" charset="-122"/>
-                <a:ea typeface="方正姚体" panose="02010601030101010101" pitchFamily="2" charset="-122"/>
-              </a:rPr>
-              <a:t>hub</a:t>
-            </a:r>
-            <a:endParaRPr lang="zh-CN" altLang="en-US" sz="6000" dirty="0">
-              <a:latin typeface="方正姚体" panose="02010601030101010101" pitchFamily="2" charset="-122"/>
-              <a:ea typeface="方正姚体" panose="02010601030101010101" pitchFamily="2" charset="-122"/>
-            </a:endParaRPr>
+            <a:endParaRPr lang="zh-CN" altLang="en-US"/>
           </a:p>
         </p:txBody>
       </p:sp>
     </p:spTree>
     <p:extLst>
       <p:ext uri="{BB962C8B-B14F-4D97-AF65-F5344CB8AC3E}">
-        <p14:creationId xmlns:p14="http://schemas.microsoft.com/office/powerpoint/2010/main" val="3572697240"/>
+        <p14:creationId xmlns:p14="http://schemas.microsoft.com/office/powerpoint/2010/main" val="4153205018"/>
       </p:ext>
     </p:extLst>
   </p:cSld>
@@ -4762,176 +4756,42 @@
           <a:chExt cx="0" cy="0"/>
         </a:xfrm>
       </p:grpSpPr>
-      <p:grpSp>
-        <p:nvGrpSpPr>
-          <p:cNvPr id="6" name="组合 5">
-            <a:extLst>
-              <a:ext uri="{FF2B5EF4-FFF2-40B4-BE49-F238E27FC236}">
-                <a16:creationId xmlns:a16="http://schemas.microsoft.com/office/drawing/2014/main" id="{58761ADC-ED7D-4FFE-8D11-0A2F8CDFEB2A}"/>
-              </a:ext>
-            </a:extLst>
-          </p:cNvPr>
-          <p:cNvGrpSpPr/>
+      <p:pic>
+        <p:nvPicPr>
+          <p:cNvPr id="3" name="图片 2">
+            <a:extLst>
+              <a:ext uri="{FF2B5EF4-FFF2-40B4-BE49-F238E27FC236}">
+                <a16:creationId xmlns:a16="http://schemas.microsoft.com/office/drawing/2014/main" id="{579C9F44-A05B-442B-A061-89FCF7A117A6}"/>
+              </a:ext>
+            </a:extLst>
+          </p:cNvPr>
+          <p:cNvPicPr>
+            <a:picLocks noChangeAspect="1"/>
+          </p:cNvPicPr>
           <p:nvPr/>
-        </p:nvGrpSpPr>
-        <p:grpSpPr>
-          <a:xfrm rot="20994854">
-            <a:off x="2581991" y="1079169"/>
-            <a:ext cx="2863356" cy="1722705"/>
-            <a:chOff x="-2003958" y="-762001"/>
-            <a:chExt cx="4761442" cy="2864667"/>
-          </a:xfrm>
-        </p:grpSpPr>
-        <p:pic>
-          <p:nvPicPr>
-            <p:cNvPr id="8" name="Picture 8">
-              <a:extLst>
-                <a:ext uri="{FF2B5EF4-FFF2-40B4-BE49-F238E27FC236}">
-                  <a16:creationId xmlns:a16="http://schemas.microsoft.com/office/drawing/2014/main" id="{9C6A0FEC-178F-4F00-B64F-4DE498037D8C}"/>
-                </a:ext>
-              </a:extLst>
-            </p:cNvPr>
-            <p:cNvPicPr>
-              <a:picLocks noChangeAspect="1" noChangeArrowheads="1"/>
-            </p:cNvPicPr>
-            <p:nvPr/>
-          </p:nvPicPr>
-          <p:blipFill>
-            <a:blip r:embed="rId2">
-              <a:extLst>
-                <a:ext uri="{28A0092B-C50C-407E-A947-70E740481C1C}">
-                  <a14:useLocalDpi xmlns:a14="http://schemas.microsoft.com/office/drawing/2010/main" val="0"/>
-                </a:ext>
-              </a:extLst>
-            </a:blip>
-            <a:srcRect/>
-            <a:stretch>
-              <a:fillRect/>
-            </a:stretch>
-          </p:blipFill>
-          <p:spPr bwMode="auto">
-            <a:xfrm rot="19677933">
-              <a:off x="-2003958" y="578666"/>
-              <a:ext cx="2619375" cy="1524000"/>
-            </a:xfrm>
-            <a:prstGeom prst="rect">
-              <a:avLst/>
-            </a:prstGeom>
-            <a:noFill/>
-            <a:extLst>
-              <a:ext uri="{909E8E84-426E-40DD-AFC4-6F175D3DCCD1}">
-                <a14:hiddenFill xmlns:a14="http://schemas.microsoft.com/office/drawing/2010/main">
-                  <a:solidFill>
-                    <a:srgbClr val="FFFFFF"/>
-                  </a:solidFill>
-                </a14:hiddenFill>
-              </a:ext>
-            </a:extLst>
-          </p:spPr>
-        </p:pic>
-        <p:pic>
-          <p:nvPicPr>
-            <p:cNvPr id="9" name="Picture 8">
-              <a:extLst>
-                <a:ext uri="{FF2B5EF4-FFF2-40B4-BE49-F238E27FC236}">
-                  <a16:creationId xmlns:a16="http://schemas.microsoft.com/office/drawing/2014/main" id="{95DA3CEC-BB62-46CB-BC12-B45626B8CB04}"/>
-                </a:ext>
-              </a:extLst>
-            </p:cNvPr>
-            <p:cNvPicPr>
-              <a:picLocks noChangeAspect="1" noChangeArrowheads="1"/>
-            </p:cNvPicPr>
-            <p:nvPr/>
-          </p:nvPicPr>
-          <p:blipFill>
-            <a:blip r:embed="rId2">
-              <a:extLst>
-                <a:ext uri="{28A0092B-C50C-407E-A947-70E740481C1C}">
-                  <a14:useLocalDpi xmlns:a14="http://schemas.microsoft.com/office/drawing/2010/main" val="0"/>
-                </a:ext>
-              </a:extLst>
-            </a:blip>
-            <a:srcRect/>
-            <a:stretch>
-              <a:fillRect/>
-            </a:stretch>
-          </p:blipFill>
-          <p:spPr bwMode="auto">
-            <a:xfrm rot="19677933">
-              <a:off x="138109" y="-762001"/>
-              <a:ext cx="2619375" cy="1524000"/>
-            </a:xfrm>
-            <a:prstGeom prst="rect">
-              <a:avLst/>
-            </a:prstGeom>
-            <a:noFill/>
-            <a:extLst>
-              <a:ext uri="{909E8E84-426E-40DD-AFC4-6F175D3DCCD1}">
-                <a14:hiddenFill xmlns:a14="http://schemas.microsoft.com/office/drawing/2010/main">
-                  <a:solidFill>
-                    <a:srgbClr val="FFFFFF"/>
-                  </a:solidFill>
-                </a14:hiddenFill>
-              </a:ext>
-            </a:extLst>
-          </p:spPr>
-        </p:pic>
-      </p:grpSp>
-      <p:sp>
-        <p:nvSpPr>
-          <p:cNvPr id="2" name="文本框 1">
-            <a:extLst>
-              <a:ext uri="{FF2B5EF4-FFF2-40B4-BE49-F238E27FC236}">
-                <a16:creationId xmlns:a16="http://schemas.microsoft.com/office/drawing/2014/main" id="{CE4F55C6-4492-497F-AA51-406EC374CEB5}"/>
-              </a:ext>
-            </a:extLst>
-          </p:cNvPr>
-          <p:cNvSpPr txBox="1"/>
-          <p:nvPr/>
-        </p:nvSpPr>
+        </p:nvPicPr>
+        <p:blipFill>
+          <a:blip r:embed="rId2"/>
+          <a:stretch>
+            <a:fillRect/>
+          </a:stretch>
+        </p:blipFill>
         <p:spPr>
           <a:xfrm>
-            <a:off x="4471843" y="2586181"/>
-            <a:ext cx="3100529" cy="1200329"/>
+            <a:off x="2694935" y="1065654"/>
+            <a:ext cx="6593443" cy="4159017"/>
           </a:xfrm>
           <a:prstGeom prst="rect">
             <a:avLst/>
           </a:prstGeom>
-          <a:noFill/>
         </p:spPr>
-        <p:txBody>
-          <a:bodyPr wrap="none" rtlCol="0">
-            <a:spAutoFit/>
-          </a:bodyPr>
-          <a:lstStyle/>
-          <a:p>
-            <a:r>
-              <a:rPr lang="en-US" altLang="zh-CN" sz="3600" dirty="0">
-                <a:latin typeface="Century Gothic" panose="020B0502020202020204" pitchFamily="34" charset="0"/>
-              </a:rPr>
-              <a:t>coming soon</a:t>
-            </a:r>
-          </a:p>
-          <a:p>
-            <a:pPr algn="ctr"/>
-            <a:r>
-              <a:rPr lang="en-US" altLang="zh-CN" sz="3600" dirty="0">
-                <a:latin typeface="Century Gothic" panose="020B0502020202020204" pitchFamily="34" charset="0"/>
-              </a:rPr>
-              <a:t>……</a:t>
-            </a:r>
-            <a:endParaRPr lang="zh-CN" altLang="en-US" sz="3600" dirty="0">
-              <a:latin typeface="Century Gothic" panose="020B0502020202020204" pitchFamily="34" charset="0"/>
-            </a:endParaRPr>
-          </a:p>
-        </p:txBody>
-      </p:sp>
-      <p:sp>
-        <p:nvSpPr>
-          <p:cNvPr id="13" name="任意多边形: 形状 12">
-            <a:extLst>
-              <a:ext uri="{FF2B5EF4-FFF2-40B4-BE49-F238E27FC236}">
-                <a16:creationId xmlns:a16="http://schemas.microsoft.com/office/drawing/2014/main" id="{23734649-DA61-4B5F-9112-F53B274A6693}"/>
+      </p:pic>
+      <p:sp>
+        <p:nvSpPr>
+          <p:cNvPr id="5" name="任意多边形: 形状 4">
+            <a:extLst>
+              <a:ext uri="{FF2B5EF4-FFF2-40B4-BE49-F238E27FC236}">
+                <a16:creationId xmlns:a16="http://schemas.microsoft.com/office/drawing/2014/main" id="{6319846A-C1B0-4866-903D-6CE08E331985}"/>
               </a:ext>
             </a:extLst>
           </p:cNvPr>
@@ -5101,7 +4961,7 @@
     </p:spTree>
     <p:extLst>
       <p:ext uri="{BB962C8B-B14F-4D97-AF65-F5344CB8AC3E}">
-        <p14:creationId xmlns:p14="http://schemas.microsoft.com/office/powerpoint/2010/main" val="4153205018"/>
+        <p14:creationId xmlns:p14="http://schemas.microsoft.com/office/powerpoint/2010/main" val="2943165838"/>
       </p:ext>
     </p:extLst>
   </p:cSld>
@@ -5128,36 +4988,6 @@
           <a:chExt cx="0" cy="0"/>
         </a:xfrm>
       </p:grpSpPr>
-      <p:pic>
-        <p:nvPicPr>
-          <p:cNvPr id="3" name="图片 2">
-            <a:extLst>
-              <a:ext uri="{FF2B5EF4-FFF2-40B4-BE49-F238E27FC236}">
-                <a16:creationId xmlns:a16="http://schemas.microsoft.com/office/drawing/2014/main" id="{579C9F44-A05B-442B-A061-89FCF7A117A6}"/>
-              </a:ext>
-            </a:extLst>
-          </p:cNvPr>
-          <p:cNvPicPr>
-            <a:picLocks noChangeAspect="1"/>
-          </p:cNvPicPr>
-          <p:nvPr/>
-        </p:nvPicPr>
-        <p:blipFill>
-          <a:blip r:embed="rId2"/>
-          <a:stretch>
-            <a:fillRect/>
-          </a:stretch>
-        </p:blipFill>
-        <p:spPr>
-          <a:xfrm>
-            <a:off x="2694935" y="1065654"/>
-            <a:ext cx="6593443" cy="4159017"/>
-          </a:xfrm>
-          <a:prstGeom prst="rect">
-            <a:avLst/>
-          </a:prstGeom>
-        </p:spPr>
-      </p:pic>
       <p:sp>
         <p:nvSpPr>
           <p:cNvPr id="5" name="任意多边形: 形状 4">
@@ -5330,42 +5160,12 @@
           </a:p>
         </p:txBody>
       </p:sp>
-    </p:spTree>
-    <p:extLst>
-      <p:ext uri="{BB962C8B-B14F-4D97-AF65-F5344CB8AC3E}">
-        <p14:creationId xmlns:p14="http://schemas.microsoft.com/office/powerpoint/2010/main" val="2943165838"/>
-      </p:ext>
-    </p:extLst>
-  </p:cSld>
-  <p:clrMapOvr>
-    <a:masterClrMapping/>
-  </p:clrMapOvr>
-</p:sld>
-</file>
-
-<file path=ppt/slides/slide7.xml><?xml version="1.0" encoding="utf-8"?>
-<p:sld xmlns:a="http://schemas.openxmlformats.org/drawingml/2006/main" xmlns:r="http://schemas.openxmlformats.org/officeDocument/2006/relationships" xmlns:p="http://schemas.openxmlformats.org/presentationml/2006/main">
-  <p:cSld>
-    <p:spTree>
-      <p:nvGrpSpPr>
-        <p:cNvPr id="1" name=""/>
-        <p:cNvGrpSpPr/>
-        <p:nvPr/>
-      </p:nvGrpSpPr>
-      <p:grpSpPr>
-        <a:xfrm>
-          <a:off x="0" y="0"/>
-          <a:ext cx="0" cy="0"/>
-          <a:chOff x="0" y="0"/>
-          <a:chExt cx="0" cy="0"/>
-        </a:xfrm>
-      </p:grpSpPr>
       <p:pic>
         <p:nvPicPr>
-          <p:cNvPr id="4" name="图片 3" descr="图片包含 室内, 桌子, 小, 花&#10;&#10;描述已自动生成">
-            <a:extLst>
-              <a:ext uri="{FF2B5EF4-FFF2-40B4-BE49-F238E27FC236}">
-                <a16:creationId xmlns:a16="http://schemas.microsoft.com/office/drawing/2014/main" id="{C7BD1DAC-7FAC-4009-8762-E6A2B009EB03}"/>
+          <p:cNvPr id="3" name="图片 2" descr="In Love Max The Husky">
+            <a:extLst>
+              <a:ext uri="{FF2B5EF4-FFF2-40B4-BE49-F238E27FC236}">
+                <a16:creationId xmlns:a16="http://schemas.microsoft.com/office/drawing/2014/main" id="{91E6F2E1-C3C9-4143-BD06-AEAB7E1FBDE8}"/>
               </a:ext>
             </a:extLst>
           </p:cNvPr>
@@ -5388,233 +5188,14 @@
         </p:blipFill>
         <p:spPr>
           <a:xfrm>
-            <a:off x="3237345" y="1108364"/>
-            <a:ext cx="5717309" cy="4287982"/>
+            <a:off x="4025995" y="1214616"/>
+            <a:ext cx="3810000" cy="3810000"/>
           </a:xfrm>
           <a:prstGeom prst="rect">
             <a:avLst/>
           </a:prstGeom>
         </p:spPr>
       </p:pic>
-      <p:sp>
-        <p:nvSpPr>
-          <p:cNvPr id="5" name="任意多边形: 形状 4">
-            <a:extLst>
-              <a:ext uri="{FF2B5EF4-FFF2-40B4-BE49-F238E27FC236}">
-                <a16:creationId xmlns:a16="http://schemas.microsoft.com/office/drawing/2014/main" id="{6319846A-C1B0-4866-903D-6CE08E331985}"/>
-              </a:ext>
-            </a:extLst>
-          </p:cNvPr>
-          <p:cNvSpPr/>
-          <p:nvPr/>
-        </p:nvSpPr>
-        <p:spPr>
-          <a:xfrm>
-            <a:off x="2601058" y="236912"/>
-            <a:ext cx="6989884" cy="6384175"/>
-          </a:xfrm>
-          <a:custGeom>
-            <a:avLst/>
-            <a:gdLst>
-              <a:gd name="connsiteX0" fmla="*/ 845374 w 6989884"/>
-              <a:gd name="connsiteY0" fmla="*/ 982287 h 6384175"/>
-              <a:gd name="connsiteX1" fmla="*/ 617815 w 6989884"/>
-              <a:gd name="connsiteY1" fmla="*/ 1209846 h 6384175"/>
-              <a:gd name="connsiteX2" fmla="*/ 617815 w 6989884"/>
-              <a:gd name="connsiteY2" fmla="*/ 4680183 h 6384175"/>
-              <a:gd name="connsiteX3" fmla="*/ 845374 w 6989884"/>
-              <a:gd name="connsiteY3" fmla="*/ 4907742 h 6384175"/>
-              <a:gd name="connsiteX4" fmla="*/ 6144510 w 6989884"/>
-              <a:gd name="connsiteY4" fmla="*/ 4907742 h 6384175"/>
-              <a:gd name="connsiteX5" fmla="*/ 6372069 w 6989884"/>
-              <a:gd name="connsiteY5" fmla="*/ 4680183 h 6384175"/>
-              <a:gd name="connsiteX6" fmla="*/ 6372069 w 6989884"/>
-              <a:gd name="connsiteY6" fmla="*/ 1209846 h 6384175"/>
-              <a:gd name="connsiteX7" fmla="*/ 6144510 w 6989884"/>
-              <a:gd name="connsiteY7" fmla="*/ 982287 h 6384175"/>
-              <a:gd name="connsiteX8" fmla="*/ 0 w 6989884"/>
-              <a:gd name="connsiteY8" fmla="*/ 0 h 6384175"/>
-              <a:gd name="connsiteX9" fmla="*/ 6989884 w 6989884"/>
-              <a:gd name="connsiteY9" fmla="*/ 0 h 6384175"/>
-              <a:gd name="connsiteX10" fmla="*/ 6989884 w 6989884"/>
-              <a:gd name="connsiteY10" fmla="*/ 6384175 h 6384175"/>
-              <a:gd name="connsiteX11" fmla="*/ 0 w 6989884"/>
-              <a:gd name="connsiteY11" fmla="*/ 6384175 h 6384175"/>
-            </a:gdLst>
-            <a:ahLst/>
-            <a:cxnLst>
-              <a:cxn ang="0">
-                <a:pos x="connsiteX0" y="connsiteY0"/>
-              </a:cxn>
-              <a:cxn ang="0">
-                <a:pos x="connsiteX1" y="connsiteY1"/>
-              </a:cxn>
-              <a:cxn ang="0">
-                <a:pos x="connsiteX2" y="connsiteY2"/>
-              </a:cxn>
-              <a:cxn ang="0">
-                <a:pos x="connsiteX3" y="connsiteY3"/>
-              </a:cxn>
-              <a:cxn ang="0">
-                <a:pos x="connsiteX4" y="connsiteY4"/>
-              </a:cxn>
-              <a:cxn ang="0">
-                <a:pos x="connsiteX5" y="connsiteY5"/>
-              </a:cxn>
-              <a:cxn ang="0">
-                <a:pos x="connsiteX6" y="connsiteY6"/>
-              </a:cxn>
-              <a:cxn ang="0">
-                <a:pos x="connsiteX7" y="connsiteY7"/>
-              </a:cxn>
-              <a:cxn ang="0">
-                <a:pos x="connsiteX8" y="connsiteY8"/>
-              </a:cxn>
-              <a:cxn ang="0">
-                <a:pos x="connsiteX9" y="connsiteY9"/>
-              </a:cxn>
-              <a:cxn ang="0">
-                <a:pos x="connsiteX10" y="connsiteY10"/>
-              </a:cxn>
-              <a:cxn ang="0">
-                <a:pos x="connsiteX11" y="connsiteY11"/>
-              </a:cxn>
-            </a:cxnLst>
-            <a:rect l="l" t="t" r="r" b="b"/>
-            <a:pathLst>
-              <a:path w="6989884" h="6384175">
-                <a:moveTo>
-                  <a:pt x="845374" y="982287"/>
-                </a:moveTo>
-                <a:cubicBezTo>
-                  <a:pt x="719697" y="982287"/>
-                  <a:pt x="617815" y="1084169"/>
-                  <a:pt x="617815" y="1209846"/>
-                </a:cubicBezTo>
-                <a:lnTo>
-                  <a:pt x="617815" y="4680183"/>
-                </a:lnTo>
-                <a:cubicBezTo>
-                  <a:pt x="617815" y="4805860"/>
-                  <a:pt x="719697" y="4907742"/>
-                  <a:pt x="845374" y="4907742"/>
-                </a:cubicBezTo>
-                <a:lnTo>
-                  <a:pt x="6144510" y="4907742"/>
-                </a:lnTo>
-                <a:cubicBezTo>
-                  <a:pt x="6270187" y="4907742"/>
-                  <a:pt x="6372069" y="4805860"/>
-                  <a:pt x="6372069" y="4680183"/>
-                </a:cubicBezTo>
-                <a:lnTo>
-                  <a:pt x="6372069" y="1209846"/>
-                </a:lnTo>
-                <a:cubicBezTo>
-                  <a:pt x="6372069" y="1084169"/>
-                  <a:pt x="6270187" y="982287"/>
-                  <a:pt x="6144510" y="982287"/>
-                </a:cubicBezTo>
-                <a:close/>
-                <a:moveTo>
-                  <a:pt x="0" y="0"/>
-                </a:moveTo>
-                <a:lnTo>
-                  <a:pt x="6989884" y="0"/>
-                </a:lnTo>
-                <a:lnTo>
-                  <a:pt x="6989884" y="6384175"/>
-                </a:lnTo>
-                <a:lnTo>
-                  <a:pt x="0" y="6384175"/>
-                </a:lnTo>
-                <a:close/>
-              </a:path>
-            </a:pathLst>
-          </a:custGeom>
-          <a:solidFill>
-            <a:schemeClr val="bg1"/>
-          </a:solidFill>
-          <a:ln w="76200">
-            <a:solidFill>
-              <a:schemeClr val="tx1"/>
-            </a:solidFill>
-          </a:ln>
-        </p:spPr>
-        <p:style>
-          <a:lnRef idx="2">
-            <a:schemeClr val="accent1">
-              <a:shade val="50000"/>
-            </a:schemeClr>
-          </a:lnRef>
-          <a:fillRef idx="1">
-            <a:schemeClr val="accent1"/>
-          </a:fillRef>
-          <a:effectRef idx="0">
-            <a:schemeClr val="accent1"/>
-          </a:effectRef>
-          <a:fontRef idx="minor">
-            <a:schemeClr val="lt1"/>
-          </a:fontRef>
-        </p:style>
-        <p:txBody>
-          <a:bodyPr wrap="square" rtlCol="0" anchor="ctr">
-            <a:noAutofit/>
-          </a:bodyPr>
-          <a:lstStyle/>
-          <a:p>
-            <a:pPr algn="ctr"/>
-            <a:endParaRPr lang="zh-CN" altLang="en-US"/>
-          </a:p>
-        </p:txBody>
-      </p:sp>
-      <p:sp>
-        <p:nvSpPr>
-          <p:cNvPr id="6" name="文本框 5">
-            <a:extLst>
-              <a:ext uri="{FF2B5EF4-FFF2-40B4-BE49-F238E27FC236}">
-                <a16:creationId xmlns:a16="http://schemas.microsoft.com/office/drawing/2014/main" id="{2A6C04F3-E4AA-4429-979E-ECA834579B70}"/>
-              </a:ext>
-            </a:extLst>
-          </p:cNvPr>
-          <p:cNvSpPr txBox="1"/>
-          <p:nvPr/>
-        </p:nvSpPr>
-        <p:spPr>
-          <a:xfrm>
-            <a:off x="4484253" y="2282859"/>
-            <a:ext cx="3223491" cy="1938992"/>
-          </a:xfrm>
-          <a:prstGeom prst="rect">
-            <a:avLst/>
-          </a:prstGeom>
-          <a:noFill/>
-        </p:spPr>
-        <p:txBody>
-          <a:bodyPr wrap="square" rtlCol="0">
-            <a:spAutoFit/>
-          </a:bodyPr>
-          <a:lstStyle/>
-          <a:p>
-            <a:pPr algn="ctr"/>
-            <a:r>
-              <a:rPr lang="en-US" altLang="zh-CN" sz="6000" b="1" dirty="0">
-                <a:solidFill>
-                  <a:schemeClr val="bg1"/>
-                </a:solidFill>
-                <a:latin typeface="Algerian" panose="020B0604020202020204" pitchFamily="82" charset="0"/>
-              </a:rPr>
-              <a:t>Mi amor</a:t>
-            </a:r>
-            <a:endParaRPr lang="zh-CN" altLang="en-US" sz="6000" b="1" dirty="0">
-              <a:solidFill>
-                <a:schemeClr val="bg1"/>
-              </a:solidFill>
-              <a:latin typeface="Algerian" panose="020B0604020202020204" pitchFamily="82" charset="0"/>
-            </a:endParaRPr>
-          </a:p>
-        </p:txBody>
-      </p:sp>
     </p:spTree>
     <p:extLst>
       <p:ext uri="{BB962C8B-B14F-4D97-AF65-F5344CB8AC3E}">
@@ -5628,7 +5209,7 @@
 </p:sld>
 </file>
 
-<file path=ppt/slides/slide8.xml><?xml version="1.0" encoding="utf-8"?>
+<file path=ppt/slides/slide7.xml><?xml version="1.0" encoding="utf-8"?>
 <p:sld xmlns:a="http://schemas.openxmlformats.org/drawingml/2006/main" xmlns:r="http://schemas.openxmlformats.org/officeDocument/2006/relationships" xmlns:p="http://schemas.openxmlformats.org/presentationml/2006/main">
   <p:cSld>
     <p:spTree>

--- a/网站元素.pptx
+++ b/网站元素.pptx
@@ -121,7 +121,7 @@
 <file path=ppt/revisionInfo.xml><?xml version="1.0" encoding="utf-8"?>
 <p1510:revInfo xmlns:a="http://schemas.openxmlformats.org/drawingml/2006/main" xmlns:r="http://schemas.openxmlformats.org/officeDocument/2006/relationships" xmlns:p1510="http://schemas.microsoft.com/office/powerpoint/2015/10/main">
   <p1510:revLst>
-    <p1510:client id="{3C63D6E2-A2DC-4692-B725-C6CF87498645}" v="8" dt="2021-10-07T05:47:49.744"/>
+    <p1510:client id="{3C63D6E2-A2DC-4692-B725-C6CF87498645}" v="28" dt="2021-10-07T06:30:43.802"/>
   </p1510:revLst>
 </p1510:revInfo>
 </file>
@@ -399,8 +399,8 @@
   </pc:docChgLst>
   <pc:docChgLst>
     <pc:chgData name="Li Elio" userId="c4294b10df583f6a" providerId="LiveId" clId="{3C63D6E2-A2DC-4692-B725-C6CF87498645}"/>
-    <pc:docChg chg="custSel addSld delSld modSld">
-      <pc:chgData name="Li Elio" userId="c4294b10df583f6a" providerId="LiveId" clId="{3C63D6E2-A2DC-4692-B725-C6CF87498645}" dt="2021-10-07T05:48:21.199" v="63" actId="1076"/>
+    <pc:docChg chg="undo custSel addSld delSld modSld">
+      <pc:chgData name="Li Elio" userId="c4294b10df583f6a" providerId="LiveId" clId="{3C63D6E2-A2DC-4692-B725-C6CF87498645}" dt="2021-10-07T06:30:44.096" v="103" actId="1076"/>
       <pc:docMkLst>
         <pc:docMk/>
       </pc:docMkLst>
@@ -443,6 +443,53 @@
           </ac:picMkLst>
         </pc:picChg>
       </pc:sldChg>
+      <pc:sldChg chg="addSp delSp modSp mod">
+        <pc:chgData name="Li Elio" userId="c4294b10df583f6a" providerId="LiveId" clId="{3C63D6E2-A2DC-4692-B725-C6CF87498645}" dt="2021-10-07T06:30:44.030" v="102" actId="478"/>
+        <pc:sldMkLst>
+          <pc:docMk/>
+          <pc:sldMk cId="4153205018" sldId="260"/>
+        </pc:sldMkLst>
+        <pc:spChg chg="add del">
+          <ac:chgData name="Li Elio" userId="c4294b10df583f6a" providerId="LiveId" clId="{3C63D6E2-A2DC-4692-B725-C6CF87498645}" dt="2021-10-07T06:30:44.030" v="102" actId="478"/>
+          <ac:spMkLst>
+            <pc:docMk/>
+            <pc:sldMk cId="4153205018" sldId="260"/>
+            <ac:spMk id="2" creationId="{CE4F55C6-4492-497F-AA51-406EC374CEB5}"/>
+          </ac:spMkLst>
+        </pc:spChg>
+        <pc:grpChg chg="mod">
+          <ac:chgData name="Li Elio" userId="c4294b10df583f6a" providerId="LiveId" clId="{3C63D6E2-A2DC-4692-B725-C6CF87498645}" dt="2021-10-07T06:30:43.802" v="97" actId="1076"/>
+          <ac:grpSpMkLst>
+            <pc:docMk/>
+            <pc:sldMk cId="4153205018" sldId="260"/>
+            <ac:grpSpMk id="6" creationId="{58761ADC-ED7D-4FFE-8D11-0A2F8CDFEB2A}"/>
+          </ac:grpSpMkLst>
+        </pc:grpChg>
+        <pc:picChg chg="add del mod ord">
+          <ac:chgData name="Li Elio" userId="c4294b10df583f6a" providerId="LiveId" clId="{3C63D6E2-A2DC-4692-B725-C6CF87498645}" dt="2021-10-07T06:30:44.011" v="101" actId="22"/>
+          <ac:picMkLst>
+            <pc:docMk/>
+            <pc:sldMk cId="4153205018" sldId="260"/>
+            <ac:picMk id="4" creationId="{50A404E8-F96F-4D89-B0B8-EC77496E7009}"/>
+          </ac:picMkLst>
+        </pc:picChg>
+        <pc:picChg chg="mod">
+          <ac:chgData name="Li Elio" userId="c4294b10df583f6a" providerId="LiveId" clId="{3C63D6E2-A2DC-4692-B725-C6CF87498645}" dt="2021-10-07T06:30:43.802" v="97" actId="1076"/>
+          <ac:picMkLst>
+            <pc:docMk/>
+            <pc:sldMk cId="4153205018" sldId="260"/>
+            <ac:picMk id="8" creationId="{9C6A0FEC-178F-4F00-B64F-4DE498037D8C}"/>
+          </ac:picMkLst>
+        </pc:picChg>
+        <pc:picChg chg="mod">
+          <ac:chgData name="Li Elio" userId="c4294b10df583f6a" providerId="LiveId" clId="{3C63D6E2-A2DC-4692-B725-C6CF87498645}" dt="2021-10-07T06:30:43.802" v="97" actId="1076"/>
+          <ac:picMkLst>
+            <pc:docMk/>
+            <pc:sldMk cId="4153205018" sldId="260"/>
+            <ac:picMk id="9" creationId="{95DA3CEC-BB62-46CB-BC12-B45626B8CB04}"/>
+          </ac:picMkLst>
+        </pc:picChg>
+      </pc:sldChg>
       <pc:sldChg chg="del">
         <pc:chgData name="Li Elio" userId="c4294b10df583f6a" providerId="LiveId" clId="{3C63D6E2-A2DC-4692-B725-C6CF87498645}" dt="2021-10-07T05:46:35.064" v="58" actId="47"/>
         <pc:sldMkLst>
@@ -482,7 +529,7 @@
         </pc:picChg>
       </pc:sldChg>
       <pc:sldChg chg="addSp delSp modSp add mod">
-        <pc:chgData name="Li Elio" userId="c4294b10df583f6a" providerId="LiveId" clId="{3C63D6E2-A2DC-4692-B725-C6CF87498645}" dt="2021-10-07T03:17:05.899" v="17" actId="732"/>
+        <pc:chgData name="Li Elio" userId="c4294b10df583f6a" providerId="LiveId" clId="{3C63D6E2-A2DC-4692-B725-C6CF87498645}" dt="2021-10-07T06:30:44.096" v="103" actId="1076"/>
         <pc:sldMkLst>
           <pc:docMk/>
           <pc:sldMk cId="1605603158" sldId="265"/>
@@ -504,7 +551,7 @@
           </ac:spMkLst>
         </pc:spChg>
         <pc:picChg chg="mod modCrop">
-          <ac:chgData name="Li Elio" userId="c4294b10df583f6a" providerId="LiveId" clId="{3C63D6E2-A2DC-4692-B725-C6CF87498645}" dt="2021-10-07T03:17:05.899" v="17" actId="732"/>
+          <ac:chgData name="Li Elio" userId="c4294b10df583f6a" providerId="LiveId" clId="{3C63D6E2-A2DC-4692-B725-C6CF87498645}" dt="2021-10-07T06:30:44.096" v="103" actId="1076"/>
           <ac:picMkLst>
             <pc:docMk/>
             <pc:sldMk cId="1605603158" sldId="265"/>
